--- a/images/ch3_WBtest.pptx
+++ b/images/ch3_WBtest.pptx
@@ -5,8 +5,8 @@
     <p:sldMasterId id="2147483648" r:id="rId1"/>
   </p:sldMasterIdLst>
   <p:sldIdLst>
-    <p:sldId id="256" r:id="rId2"/>
-    <p:sldId id="257" r:id="rId3"/>
+    <p:sldId id="256" r:id="rId3"/>
+    <p:sldId id="257" r:id="rId4"/>
   </p:sldIdLst>
   <p:sldSz cx="12192000" cy="6858000"/>
   <p:notesSz cx="6858000" cy="9144000"/>
@@ -105,11 +105,6 @@
       </a:defRPr>
     </a:lvl9pPr>
   </p:defaultTextStyle>
-  <p:extLst>
-    <p:ext uri="{EFAFB233-063F-42B5-8137-9DF3F51BA10A}">
-      <p15:sldGuideLst xmlns:p15="http://schemas.microsoft.com/office/powerpoint/2012/main"/>
-    </p:ext>
-  </p:extLst>
 </p:presentation>
 </file>
 
@@ -158,6 +153,7 @@
               <a:rPr lang="zh-CN" altLang="en-US"/>
               <a:t>单击此处编辑母版标题样式</a:t>
             </a:r>
+            <a:endParaRPr lang="zh-CN" altLang="en-US"/>
           </a:p>
         </p:txBody>
       </p:sp>
@@ -222,6 +218,7 @@
               <a:rPr lang="zh-CN" altLang="en-US"/>
               <a:t>单击此处编辑母版副标题样式</a:t>
             </a:r>
+            <a:endParaRPr lang="zh-CN" altLang="en-US"/>
           </a:p>
         </p:txBody>
       </p:sp>
@@ -242,7 +239,6 @@
           <a:p>
             <a:fld id="{D997B5FA-0921-464F-AAE1-844C04324D75}" type="datetimeFigureOut">
               <a:rPr lang="zh-CN" altLang="en-US" smtClean="0"/>
-              <a:t>2022/3/1</a:t>
             </a:fld>
             <a:endParaRPr lang="zh-CN" altLang="en-US"/>
           </a:p>
@@ -284,7 +280,6 @@
           <a:p>
             <a:fld id="{565CE74E-AB26-4998-AD42-012C4C1AD076}" type="slidenum">
               <a:rPr lang="zh-CN" altLang="en-US" smtClean="0"/>
-              <a:t>‹#›</a:t>
             </a:fld>
             <a:endParaRPr lang="zh-CN" altLang="en-US"/>
           </a:p>
@@ -334,6 +329,7 @@
               <a:rPr lang="zh-CN" altLang="en-US"/>
               <a:t>单击此处编辑母版标题样式</a:t>
             </a:r>
+            <a:endParaRPr lang="zh-CN" altLang="en-US"/>
           </a:p>
         </p:txBody>
       </p:sp>
@@ -357,6 +353,7 @@
               <a:rPr lang="zh-CN" altLang="en-US"/>
               <a:t>单击此处编辑母版文本样式</a:t>
             </a:r>
+            <a:endParaRPr lang="zh-CN" altLang="en-US"/>
           </a:p>
           <a:p>
             <a:pPr lvl="1"/>
@@ -364,6 +361,7 @@
               <a:rPr lang="zh-CN" altLang="en-US"/>
               <a:t>第二级</a:t>
             </a:r>
+            <a:endParaRPr lang="zh-CN" altLang="en-US"/>
           </a:p>
           <a:p>
             <a:pPr lvl="2"/>
@@ -371,6 +369,7 @@
               <a:rPr lang="zh-CN" altLang="en-US"/>
               <a:t>第三级</a:t>
             </a:r>
+            <a:endParaRPr lang="zh-CN" altLang="en-US"/>
           </a:p>
           <a:p>
             <a:pPr lvl="3"/>
@@ -378,6 +377,7 @@
               <a:rPr lang="zh-CN" altLang="en-US"/>
               <a:t>第四级</a:t>
             </a:r>
+            <a:endParaRPr lang="zh-CN" altLang="en-US"/>
           </a:p>
           <a:p>
             <a:pPr lvl="4"/>
@@ -385,6 +385,7 @@
               <a:rPr lang="zh-CN" altLang="en-US"/>
               <a:t>第五级</a:t>
             </a:r>
+            <a:endParaRPr lang="zh-CN" altLang="en-US"/>
           </a:p>
         </p:txBody>
       </p:sp>
@@ -405,7 +406,6 @@
           <a:p>
             <a:fld id="{D997B5FA-0921-464F-AAE1-844C04324D75}" type="datetimeFigureOut">
               <a:rPr lang="zh-CN" altLang="en-US" smtClean="0"/>
-              <a:t>2022/3/1</a:t>
             </a:fld>
             <a:endParaRPr lang="zh-CN" altLang="en-US"/>
           </a:p>
@@ -447,7 +447,6 @@
           <a:p>
             <a:fld id="{565CE74E-AB26-4998-AD42-012C4C1AD076}" type="slidenum">
               <a:rPr lang="zh-CN" altLang="en-US" smtClean="0"/>
-              <a:t>‹#›</a:t>
             </a:fld>
             <a:endParaRPr lang="zh-CN" altLang="en-US"/>
           </a:p>
@@ -502,6 +501,7 @@
               <a:rPr lang="zh-CN" altLang="en-US"/>
               <a:t>单击此处编辑母版标题样式</a:t>
             </a:r>
+            <a:endParaRPr lang="zh-CN" altLang="en-US"/>
           </a:p>
         </p:txBody>
       </p:sp>
@@ -530,6 +530,7 @@
               <a:rPr lang="zh-CN" altLang="en-US"/>
               <a:t>单击此处编辑母版文本样式</a:t>
             </a:r>
+            <a:endParaRPr lang="zh-CN" altLang="en-US"/>
           </a:p>
           <a:p>
             <a:pPr lvl="1"/>
@@ -537,6 +538,7 @@
               <a:rPr lang="zh-CN" altLang="en-US"/>
               <a:t>第二级</a:t>
             </a:r>
+            <a:endParaRPr lang="zh-CN" altLang="en-US"/>
           </a:p>
           <a:p>
             <a:pPr lvl="2"/>
@@ -544,6 +546,7 @@
               <a:rPr lang="zh-CN" altLang="en-US"/>
               <a:t>第三级</a:t>
             </a:r>
+            <a:endParaRPr lang="zh-CN" altLang="en-US"/>
           </a:p>
           <a:p>
             <a:pPr lvl="3"/>
@@ -551,6 +554,7 @@
               <a:rPr lang="zh-CN" altLang="en-US"/>
               <a:t>第四级</a:t>
             </a:r>
+            <a:endParaRPr lang="zh-CN" altLang="en-US"/>
           </a:p>
           <a:p>
             <a:pPr lvl="4"/>
@@ -558,6 +562,7 @@
               <a:rPr lang="zh-CN" altLang="en-US"/>
               <a:t>第五级</a:t>
             </a:r>
+            <a:endParaRPr lang="zh-CN" altLang="en-US"/>
           </a:p>
         </p:txBody>
       </p:sp>
@@ -578,7 +583,6 @@
           <a:p>
             <a:fld id="{D997B5FA-0921-464F-AAE1-844C04324D75}" type="datetimeFigureOut">
               <a:rPr lang="zh-CN" altLang="en-US" smtClean="0"/>
-              <a:t>2022/3/1</a:t>
             </a:fld>
             <a:endParaRPr lang="zh-CN" altLang="en-US"/>
           </a:p>
@@ -620,7 +624,6 @@
           <a:p>
             <a:fld id="{565CE74E-AB26-4998-AD42-012C4C1AD076}" type="slidenum">
               <a:rPr lang="zh-CN" altLang="en-US" smtClean="0"/>
-              <a:t>‹#›</a:t>
             </a:fld>
             <a:endParaRPr lang="zh-CN" altLang="en-US"/>
           </a:p>
@@ -670,6 +673,7 @@
               <a:rPr lang="zh-CN" altLang="en-US"/>
               <a:t>单击此处编辑母版标题样式</a:t>
             </a:r>
+            <a:endParaRPr lang="zh-CN" altLang="en-US"/>
           </a:p>
         </p:txBody>
       </p:sp>
@@ -693,6 +697,7 @@
               <a:rPr lang="zh-CN" altLang="en-US"/>
               <a:t>单击此处编辑母版文本样式</a:t>
             </a:r>
+            <a:endParaRPr lang="zh-CN" altLang="en-US"/>
           </a:p>
           <a:p>
             <a:pPr lvl="1"/>
@@ -700,6 +705,7 @@
               <a:rPr lang="zh-CN" altLang="en-US"/>
               <a:t>第二级</a:t>
             </a:r>
+            <a:endParaRPr lang="zh-CN" altLang="en-US"/>
           </a:p>
           <a:p>
             <a:pPr lvl="2"/>
@@ -707,6 +713,7 @@
               <a:rPr lang="zh-CN" altLang="en-US"/>
               <a:t>第三级</a:t>
             </a:r>
+            <a:endParaRPr lang="zh-CN" altLang="en-US"/>
           </a:p>
           <a:p>
             <a:pPr lvl="3"/>
@@ -714,6 +721,7 @@
               <a:rPr lang="zh-CN" altLang="en-US"/>
               <a:t>第四级</a:t>
             </a:r>
+            <a:endParaRPr lang="zh-CN" altLang="en-US"/>
           </a:p>
           <a:p>
             <a:pPr lvl="4"/>
@@ -721,6 +729,7 @@
               <a:rPr lang="zh-CN" altLang="en-US"/>
               <a:t>第五级</a:t>
             </a:r>
+            <a:endParaRPr lang="zh-CN" altLang="en-US"/>
           </a:p>
         </p:txBody>
       </p:sp>
@@ -741,7 +750,6 @@
           <a:p>
             <a:fld id="{D997B5FA-0921-464F-AAE1-844C04324D75}" type="datetimeFigureOut">
               <a:rPr lang="zh-CN" altLang="en-US" smtClean="0"/>
-              <a:t>2022/3/1</a:t>
             </a:fld>
             <a:endParaRPr lang="zh-CN" altLang="en-US"/>
           </a:p>
@@ -783,7 +791,6 @@
           <a:p>
             <a:fld id="{565CE74E-AB26-4998-AD42-012C4C1AD076}" type="slidenum">
               <a:rPr lang="zh-CN" altLang="en-US" smtClean="0"/>
-              <a:t>‹#›</a:t>
             </a:fld>
             <a:endParaRPr lang="zh-CN" altLang="en-US"/>
           </a:p>
@@ -842,6 +849,7 @@
               <a:rPr lang="zh-CN" altLang="en-US"/>
               <a:t>单击此处编辑母版标题样式</a:t>
             </a:r>
+            <a:endParaRPr lang="zh-CN" altLang="en-US"/>
           </a:p>
         </p:txBody>
       </p:sp>
@@ -961,6 +969,7 @@
               <a:rPr lang="zh-CN" altLang="en-US"/>
               <a:t>单击此处编辑母版文本样式</a:t>
             </a:r>
+            <a:endParaRPr lang="zh-CN" altLang="en-US"/>
           </a:p>
         </p:txBody>
       </p:sp>
@@ -981,7 +990,6 @@
           <a:p>
             <a:fld id="{D997B5FA-0921-464F-AAE1-844C04324D75}" type="datetimeFigureOut">
               <a:rPr lang="zh-CN" altLang="en-US" smtClean="0"/>
-              <a:t>2022/3/1</a:t>
             </a:fld>
             <a:endParaRPr lang="zh-CN" altLang="en-US"/>
           </a:p>
@@ -1023,7 +1031,6 @@
           <a:p>
             <a:fld id="{565CE74E-AB26-4998-AD42-012C4C1AD076}" type="slidenum">
               <a:rPr lang="zh-CN" altLang="en-US" smtClean="0"/>
-              <a:t>‹#›</a:t>
             </a:fld>
             <a:endParaRPr lang="zh-CN" altLang="en-US"/>
           </a:p>
@@ -1073,6 +1080,7 @@
               <a:rPr lang="zh-CN" altLang="en-US"/>
               <a:t>单击此处编辑母版标题样式</a:t>
             </a:r>
+            <a:endParaRPr lang="zh-CN" altLang="en-US"/>
           </a:p>
         </p:txBody>
       </p:sp>
@@ -1101,6 +1109,7 @@
               <a:rPr lang="zh-CN" altLang="en-US"/>
               <a:t>单击此处编辑母版文本样式</a:t>
             </a:r>
+            <a:endParaRPr lang="zh-CN" altLang="en-US"/>
           </a:p>
           <a:p>
             <a:pPr lvl="1"/>
@@ -1108,6 +1117,7 @@
               <a:rPr lang="zh-CN" altLang="en-US"/>
               <a:t>第二级</a:t>
             </a:r>
+            <a:endParaRPr lang="zh-CN" altLang="en-US"/>
           </a:p>
           <a:p>
             <a:pPr lvl="2"/>
@@ -1115,6 +1125,7 @@
               <a:rPr lang="zh-CN" altLang="en-US"/>
               <a:t>第三级</a:t>
             </a:r>
+            <a:endParaRPr lang="zh-CN" altLang="en-US"/>
           </a:p>
           <a:p>
             <a:pPr lvl="3"/>
@@ -1122,6 +1133,7 @@
               <a:rPr lang="zh-CN" altLang="en-US"/>
               <a:t>第四级</a:t>
             </a:r>
+            <a:endParaRPr lang="zh-CN" altLang="en-US"/>
           </a:p>
           <a:p>
             <a:pPr lvl="4"/>
@@ -1129,6 +1141,7 @@
               <a:rPr lang="zh-CN" altLang="en-US"/>
               <a:t>第五级</a:t>
             </a:r>
+            <a:endParaRPr lang="zh-CN" altLang="en-US"/>
           </a:p>
         </p:txBody>
       </p:sp>
@@ -1157,6 +1170,7 @@
               <a:rPr lang="zh-CN" altLang="en-US"/>
               <a:t>单击此处编辑母版文本样式</a:t>
             </a:r>
+            <a:endParaRPr lang="zh-CN" altLang="en-US"/>
           </a:p>
           <a:p>
             <a:pPr lvl="1"/>
@@ -1164,6 +1178,7 @@
               <a:rPr lang="zh-CN" altLang="en-US"/>
               <a:t>第二级</a:t>
             </a:r>
+            <a:endParaRPr lang="zh-CN" altLang="en-US"/>
           </a:p>
           <a:p>
             <a:pPr lvl="2"/>
@@ -1171,6 +1186,7 @@
               <a:rPr lang="zh-CN" altLang="en-US"/>
               <a:t>第三级</a:t>
             </a:r>
+            <a:endParaRPr lang="zh-CN" altLang="en-US"/>
           </a:p>
           <a:p>
             <a:pPr lvl="3"/>
@@ -1178,6 +1194,7 @@
               <a:rPr lang="zh-CN" altLang="en-US"/>
               <a:t>第四级</a:t>
             </a:r>
+            <a:endParaRPr lang="zh-CN" altLang="en-US"/>
           </a:p>
           <a:p>
             <a:pPr lvl="4"/>
@@ -1185,6 +1202,7 @@
               <a:rPr lang="zh-CN" altLang="en-US"/>
               <a:t>第五级</a:t>
             </a:r>
+            <a:endParaRPr lang="zh-CN" altLang="en-US"/>
           </a:p>
         </p:txBody>
       </p:sp>
@@ -1205,7 +1223,6 @@
           <a:p>
             <a:fld id="{D997B5FA-0921-464F-AAE1-844C04324D75}" type="datetimeFigureOut">
               <a:rPr lang="zh-CN" altLang="en-US" smtClean="0"/>
-              <a:t>2022/3/1</a:t>
             </a:fld>
             <a:endParaRPr lang="zh-CN" altLang="en-US"/>
           </a:p>
@@ -1247,7 +1264,6 @@
           <a:p>
             <a:fld id="{565CE74E-AB26-4998-AD42-012C4C1AD076}" type="slidenum">
               <a:rPr lang="zh-CN" altLang="en-US" smtClean="0"/>
-              <a:t>‹#›</a:t>
             </a:fld>
             <a:endParaRPr lang="zh-CN" altLang="en-US"/>
           </a:p>
@@ -1302,6 +1318,7 @@
               <a:rPr lang="zh-CN" altLang="en-US"/>
               <a:t>单击此处编辑母版标题样式</a:t>
             </a:r>
+            <a:endParaRPr lang="zh-CN" altLang="en-US"/>
           </a:p>
         </p:txBody>
       </p:sp>
@@ -1367,6 +1384,7 @@
               <a:rPr lang="zh-CN" altLang="en-US"/>
               <a:t>单击此处编辑母版文本样式</a:t>
             </a:r>
+            <a:endParaRPr lang="zh-CN" altLang="en-US"/>
           </a:p>
         </p:txBody>
       </p:sp>
@@ -1395,6 +1413,7 @@
               <a:rPr lang="zh-CN" altLang="en-US"/>
               <a:t>单击此处编辑母版文本样式</a:t>
             </a:r>
+            <a:endParaRPr lang="zh-CN" altLang="en-US"/>
           </a:p>
           <a:p>
             <a:pPr lvl="1"/>
@@ -1402,6 +1421,7 @@
               <a:rPr lang="zh-CN" altLang="en-US"/>
               <a:t>第二级</a:t>
             </a:r>
+            <a:endParaRPr lang="zh-CN" altLang="en-US"/>
           </a:p>
           <a:p>
             <a:pPr lvl="2"/>
@@ -1409,6 +1429,7 @@
               <a:rPr lang="zh-CN" altLang="en-US"/>
               <a:t>第三级</a:t>
             </a:r>
+            <a:endParaRPr lang="zh-CN" altLang="en-US"/>
           </a:p>
           <a:p>
             <a:pPr lvl="3"/>
@@ -1416,6 +1437,7 @@
               <a:rPr lang="zh-CN" altLang="en-US"/>
               <a:t>第四级</a:t>
             </a:r>
+            <a:endParaRPr lang="zh-CN" altLang="en-US"/>
           </a:p>
           <a:p>
             <a:pPr lvl="4"/>
@@ -1423,6 +1445,7 @@
               <a:rPr lang="zh-CN" altLang="en-US"/>
               <a:t>第五级</a:t>
             </a:r>
+            <a:endParaRPr lang="zh-CN" altLang="en-US"/>
           </a:p>
         </p:txBody>
       </p:sp>
@@ -1488,6 +1511,7 @@
               <a:rPr lang="zh-CN" altLang="en-US"/>
               <a:t>单击此处编辑母版文本样式</a:t>
             </a:r>
+            <a:endParaRPr lang="zh-CN" altLang="en-US"/>
           </a:p>
         </p:txBody>
       </p:sp>
@@ -1516,6 +1540,7 @@
               <a:rPr lang="zh-CN" altLang="en-US"/>
               <a:t>单击此处编辑母版文本样式</a:t>
             </a:r>
+            <a:endParaRPr lang="zh-CN" altLang="en-US"/>
           </a:p>
           <a:p>
             <a:pPr lvl="1"/>
@@ -1523,6 +1548,7 @@
               <a:rPr lang="zh-CN" altLang="en-US"/>
               <a:t>第二级</a:t>
             </a:r>
+            <a:endParaRPr lang="zh-CN" altLang="en-US"/>
           </a:p>
           <a:p>
             <a:pPr lvl="2"/>
@@ -1530,6 +1556,7 @@
               <a:rPr lang="zh-CN" altLang="en-US"/>
               <a:t>第三级</a:t>
             </a:r>
+            <a:endParaRPr lang="zh-CN" altLang="en-US"/>
           </a:p>
           <a:p>
             <a:pPr lvl="3"/>
@@ -1537,6 +1564,7 @@
               <a:rPr lang="zh-CN" altLang="en-US"/>
               <a:t>第四级</a:t>
             </a:r>
+            <a:endParaRPr lang="zh-CN" altLang="en-US"/>
           </a:p>
           <a:p>
             <a:pPr lvl="4"/>
@@ -1544,6 +1572,7 @@
               <a:rPr lang="zh-CN" altLang="en-US"/>
               <a:t>第五级</a:t>
             </a:r>
+            <a:endParaRPr lang="zh-CN" altLang="en-US"/>
           </a:p>
         </p:txBody>
       </p:sp>
@@ -1564,7 +1593,6 @@
           <a:p>
             <a:fld id="{D997B5FA-0921-464F-AAE1-844C04324D75}" type="datetimeFigureOut">
               <a:rPr lang="zh-CN" altLang="en-US" smtClean="0"/>
-              <a:t>2022/3/1</a:t>
             </a:fld>
             <a:endParaRPr lang="zh-CN" altLang="en-US"/>
           </a:p>
@@ -1606,7 +1634,6 @@
           <a:p>
             <a:fld id="{565CE74E-AB26-4998-AD42-012C4C1AD076}" type="slidenum">
               <a:rPr lang="zh-CN" altLang="en-US" smtClean="0"/>
-              <a:t>‹#›</a:t>
             </a:fld>
             <a:endParaRPr lang="zh-CN" altLang="en-US"/>
           </a:p>
@@ -1656,6 +1683,7 @@
               <a:rPr lang="zh-CN" altLang="en-US"/>
               <a:t>单击此处编辑母版标题样式</a:t>
             </a:r>
+            <a:endParaRPr lang="zh-CN" altLang="en-US"/>
           </a:p>
         </p:txBody>
       </p:sp>
@@ -1676,7 +1704,6 @@
           <a:p>
             <a:fld id="{D997B5FA-0921-464F-AAE1-844C04324D75}" type="datetimeFigureOut">
               <a:rPr lang="zh-CN" altLang="en-US" smtClean="0"/>
-              <a:t>2022/3/1</a:t>
             </a:fld>
             <a:endParaRPr lang="zh-CN" altLang="en-US"/>
           </a:p>
@@ -1718,7 +1745,6 @@
           <a:p>
             <a:fld id="{565CE74E-AB26-4998-AD42-012C4C1AD076}" type="slidenum">
               <a:rPr lang="zh-CN" altLang="en-US" smtClean="0"/>
-              <a:t>‹#›</a:t>
             </a:fld>
             <a:endParaRPr lang="zh-CN" altLang="en-US"/>
           </a:p>
@@ -1766,7 +1792,6 @@
           <a:p>
             <a:fld id="{D997B5FA-0921-464F-AAE1-844C04324D75}" type="datetimeFigureOut">
               <a:rPr lang="zh-CN" altLang="en-US" smtClean="0"/>
-              <a:t>2022/3/1</a:t>
             </a:fld>
             <a:endParaRPr lang="zh-CN" altLang="en-US"/>
           </a:p>
@@ -1808,7 +1833,6 @@
           <a:p>
             <a:fld id="{565CE74E-AB26-4998-AD42-012C4C1AD076}" type="slidenum">
               <a:rPr lang="zh-CN" altLang="en-US" smtClean="0"/>
-              <a:t>‹#›</a:t>
             </a:fld>
             <a:endParaRPr lang="zh-CN" altLang="en-US"/>
           </a:p>
@@ -1867,6 +1891,7 @@
               <a:rPr lang="zh-CN" altLang="en-US"/>
               <a:t>单击此处编辑母版标题样式</a:t>
             </a:r>
+            <a:endParaRPr lang="zh-CN" altLang="en-US"/>
           </a:p>
         </p:txBody>
       </p:sp>
@@ -1923,6 +1948,7 @@
               <a:rPr lang="zh-CN" altLang="en-US"/>
               <a:t>单击此处编辑母版文本样式</a:t>
             </a:r>
+            <a:endParaRPr lang="zh-CN" altLang="en-US"/>
           </a:p>
           <a:p>
             <a:pPr lvl="1"/>
@@ -1930,6 +1956,7 @@
               <a:rPr lang="zh-CN" altLang="en-US"/>
               <a:t>第二级</a:t>
             </a:r>
+            <a:endParaRPr lang="zh-CN" altLang="en-US"/>
           </a:p>
           <a:p>
             <a:pPr lvl="2"/>
@@ -1937,6 +1964,7 @@
               <a:rPr lang="zh-CN" altLang="en-US"/>
               <a:t>第三级</a:t>
             </a:r>
+            <a:endParaRPr lang="zh-CN" altLang="en-US"/>
           </a:p>
           <a:p>
             <a:pPr lvl="3"/>
@@ -1944,6 +1972,7 @@
               <a:rPr lang="zh-CN" altLang="en-US"/>
               <a:t>第四级</a:t>
             </a:r>
+            <a:endParaRPr lang="zh-CN" altLang="en-US"/>
           </a:p>
           <a:p>
             <a:pPr lvl="4"/>
@@ -1951,6 +1980,7 @@
               <a:rPr lang="zh-CN" altLang="en-US"/>
               <a:t>第五级</a:t>
             </a:r>
+            <a:endParaRPr lang="zh-CN" altLang="en-US"/>
           </a:p>
         </p:txBody>
       </p:sp>
@@ -2016,6 +2046,7 @@
               <a:rPr lang="zh-CN" altLang="en-US"/>
               <a:t>单击此处编辑母版文本样式</a:t>
             </a:r>
+            <a:endParaRPr lang="zh-CN" altLang="en-US"/>
           </a:p>
         </p:txBody>
       </p:sp>
@@ -2036,7 +2067,6 @@
           <a:p>
             <a:fld id="{D997B5FA-0921-464F-AAE1-844C04324D75}" type="datetimeFigureOut">
               <a:rPr lang="zh-CN" altLang="en-US" smtClean="0"/>
-              <a:t>2022/3/1</a:t>
             </a:fld>
             <a:endParaRPr lang="zh-CN" altLang="en-US"/>
           </a:p>
@@ -2078,7 +2108,6 @@
           <a:p>
             <a:fld id="{565CE74E-AB26-4998-AD42-012C4C1AD076}" type="slidenum">
               <a:rPr lang="zh-CN" altLang="en-US" smtClean="0"/>
-              <a:t>‹#›</a:t>
             </a:fld>
             <a:endParaRPr lang="zh-CN" altLang="en-US"/>
           </a:p>
@@ -2137,6 +2166,7 @@
               <a:rPr lang="zh-CN" altLang="en-US"/>
               <a:t>单击此处编辑母版标题样式</a:t>
             </a:r>
+            <a:endParaRPr lang="zh-CN" altLang="en-US"/>
           </a:p>
         </p:txBody>
       </p:sp>
@@ -2263,6 +2293,7 @@
               <a:rPr lang="zh-CN" altLang="en-US"/>
               <a:t>单击此处编辑母版文本样式</a:t>
             </a:r>
+            <a:endParaRPr lang="zh-CN" altLang="en-US"/>
           </a:p>
         </p:txBody>
       </p:sp>
@@ -2283,7 +2314,6 @@
           <a:p>
             <a:fld id="{D997B5FA-0921-464F-AAE1-844C04324D75}" type="datetimeFigureOut">
               <a:rPr lang="zh-CN" altLang="en-US" smtClean="0"/>
-              <a:t>2022/3/1</a:t>
             </a:fld>
             <a:endParaRPr lang="zh-CN" altLang="en-US"/>
           </a:p>
@@ -2325,7 +2355,6 @@
           <a:p>
             <a:fld id="{565CE74E-AB26-4998-AD42-012C4C1AD076}" type="slidenum">
               <a:rPr lang="zh-CN" altLang="en-US" smtClean="0"/>
-              <a:t>‹#›</a:t>
             </a:fld>
             <a:endParaRPr lang="zh-CN" altLang="en-US"/>
           </a:p>
@@ -2390,6 +2419,7 @@
               <a:rPr lang="zh-CN" altLang="en-US"/>
               <a:t>单击此处编辑母版标题样式</a:t>
             </a:r>
+            <a:endParaRPr lang="zh-CN" altLang="en-US"/>
           </a:p>
         </p:txBody>
       </p:sp>
@@ -2423,6 +2453,7 @@
               <a:rPr lang="zh-CN" altLang="en-US"/>
               <a:t>单击此处编辑母版文本样式</a:t>
             </a:r>
+            <a:endParaRPr lang="zh-CN" altLang="en-US"/>
           </a:p>
           <a:p>
             <a:pPr lvl="1"/>
@@ -2430,6 +2461,7 @@
               <a:rPr lang="zh-CN" altLang="en-US"/>
               <a:t>第二级</a:t>
             </a:r>
+            <a:endParaRPr lang="zh-CN" altLang="en-US"/>
           </a:p>
           <a:p>
             <a:pPr lvl="2"/>
@@ -2437,6 +2469,7 @@
               <a:rPr lang="zh-CN" altLang="en-US"/>
               <a:t>第三级</a:t>
             </a:r>
+            <a:endParaRPr lang="zh-CN" altLang="en-US"/>
           </a:p>
           <a:p>
             <a:pPr lvl="3"/>
@@ -2444,6 +2477,7 @@
               <a:rPr lang="zh-CN" altLang="en-US"/>
               <a:t>第四级</a:t>
             </a:r>
+            <a:endParaRPr lang="zh-CN" altLang="en-US"/>
           </a:p>
           <a:p>
             <a:pPr lvl="4"/>
@@ -2451,6 +2485,7 @@
               <a:rPr lang="zh-CN" altLang="en-US"/>
               <a:t>第五级</a:t>
             </a:r>
+            <a:endParaRPr lang="zh-CN" altLang="en-US"/>
           </a:p>
         </p:txBody>
       </p:sp>
@@ -2489,7 +2524,6 @@
           <a:p>
             <a:fld id="{D997B5FA-0921-464F-AAE1-844C04324D75}" type="datetimeFigureOut">
               <a:rPr lang="zh-CN" altLang="en-US" smtClean="0"/>
-              <a:t>2022/3/1</a:t>
             </a:fld>
             <a:endParaRPr lang="zh-CN" altLang="en-US"/>
           </a:p>
@@ -2567,7 +2601,6 @@
           <a:p>
             <a:fld id="{565CE74E-AB26-4998-AD42-012C4C1AD076}" type="slidenum">
               <a:rPr lang="zh-CN" altLang="en-US" smtClean="0"/>
-              <a:t>‹#›</a:t>
             </a:fld>
             <a:endParaRPr lang="zh-CN" altLang="en-US"/>
           </a:p>
@@ -6070,6 +6103,10 @@
               </a:rPr>
               <a:t>普通用例</a:t>
             </a:r>
+            <a:endParaRPr lang="zh-CN" altLang="en-US" sz="1200" dirty="0">
+              <a:latin typeface="宋体" panose="02010600030101010101" pitchFamily="2" charset="-122"/>
+              <a:ea typeface="宋体" panose="02010600030101010101" pitchFamily="2" charset="-122"/>
+            </a:endParaRPr>
           </a:p>
         </p:txBody>
       </p:sp>
@@ -6102,6 +6139,10 @@
               </a:rPr>
               <a:t>边界用例</a:t>
             </a:r>
+            <a:endParaRPr lang="zh-CN" altLang="en-US" sz="1200" dirty="0">
+              <a:latin typeface="宋体" panose="02010600030101010101" pitchFamily="2" charset="-122"/>
+              <a:ea typeface="宋体" panose="02010600030101010101" pitchFamily="2" charset="-122"/>
+            </a:endParaRPr>
           </a:p>
         </p:txBody>
       </p:sp>
@@ -6134,6 +6175,10 @@
               </a:rPr>
               <a:t>哺乳</a:t>
             </a:r>
+            <a:endParaRPr lang="zh-CN" altLang="en-US" sz="1200">
+              <a:latin typeface="楷体" panose="02010609060101010101" charset="-122"/>
+              <a:ea typeface="楷体" panose="02010609060101010101" charset="-122"/>
+            </a:endParaRPr>
           </a:p>
           <a:p>
             <a:r>
@@ -6143,6 +6188,10 @@
               </a:rPr>
               <a:t>动物</a:t>
             </a:r>
+            <a:endParaRPr lang="zh-CN" altLang="en-US" sz="1200">
+              <a:latin typeface="楷体" panose="02010609060101010101" charset="-122"/>
+              <a:ea typeface="楷体" panose="02010609060101010101" charset="-122"/>
+            </a:endParaRPr>
           </a:p>
         </p:txBody>
       </p:sp>
@@ -6175,6 +6224,10 @@
               </a:rPr>
               <a:t>猫科</a:t>
             </a:r>
+            <a:endParaRPr lang="zh-CN" altLang="en-US" sz="1200">
+              <a:latin typeface="楷体" panose="02010609060101010101" charset="-122"/>
+              <a:ea typeface="楷体" panose="02010609060101010101" charset="-122"/>
+            </a:endParaRPr>
           </a:p>
         </p:txBody>
       </p:sp>
@@ -6207,6 +6260,10 @@
               </a:rPr>
               <a:t>鸟类</a:t>
             </a:r>
+            <a:endParaRPr lang="zh-CN" altLang="en-US" sz="1200">
+              <a:latin typeface="楷体" panose="02010609060101010101" charset="-122"/>
+              <a:ea typeface="楷体" panose="02010609060101010101" charset="-122"/>
+            </a:endParaRPr>
           </a:p>
         </p:txBody>
       </p:sp>
@@ -6239,6 +6296,10 @@
               </a:rPr>
               <a:t>犬科</a:t>
             </a:r>
+            <a:endParaRPr lang="zh-CN" altLang="en-US" sz="1200">
+              <a:latin typeface="楷体" panose="02010609060101010101" charset="-122"/>
+              <a:ea typeface="楷体" panose="02010609060101010101" charset="-122"/>
+            </a:endParaRPr>
           </a:p>
         </p:txBody>
       </p:sp>
@@ -6271,6 +6332,10 @@
               </a:rPr>
               <a:t>猫</a:t>
             </a:r>
+            <a:endParaRPr lang="zh-CN" altLang="en-US" sz="1200">
+              <a:latin typeface="楷体" panose="02010609060101010101" charset="-122"/>
+              <a:ea typeface="楷体" panose="02010609060101010101" charset="-122"/>
+            </a:endParaRPr>
           </a:p>
         </p:txBody>
       </p:sp>
@@ -6304,15 +6369,17 @@
               </a:rPr>
               <a:t>杜鹃</a:t>
             </a:r>
+            <a:endParaRPr lang="zh-CN" altLang="en-US" sz="1200">
+              <a:latin typeface="楷体" panose="02010609060101010101" charset="-122"/>
+              <a:ea typeface="楷体" panose="02010609060101010101" charset="-122"/>
+            </a:endParaRPr>
           </a:p>
         </p:txBody>
       </p:sp>
       <p:cxnSp>
         <p:nvCxnSpPr>
           <p:cNvPr id="156" name="直接箭头连接符 155"/>
-          <p:cNvCxnSpPr>
-            <a:cxnSpLocks/>
-          </p:cNvCxnSpPr>
+          <p:cNvCxnSpPr/>
           <p:nvPr/>
         </p:nvCxnSpPr>
         <p:spPr>
@@ -6362,16 +6429,8 @@
       </p:cxnSp>
       <p:cxnSp>
         <p:nvCxnSpPr>
-          <p:cNvPr id="79" name="直接箭头连接符 78">
-            <a:extLst>
-              <a:ext uri="{FF2B5EF4-FFF2-40B4-BE49-F238E27FC236}">
-                <a16:creationId xmlns:a16="http://schemas.microsoft.com/office/drawing/2014/main" id="{8C60EB32-C48E-48D2-AF16-8212C1919BA0}"/>
-              </a:ext>
-            </a:extLst>
-          </p:cNvPr>
-          <p:cNvCxnSpPr>
-            <a:cxnSpLocks/>
-          </p:cNvCxnSpPr>
+          <p:cNvPr id="79" name="直接箭头连接符 78"/>
+          <p:cNvCxnSpPr/>
           <p:nvPr/>
         </p:nvCxnSpPr>
         <p:spPr>
@@ -6421,13 +6480,7 @@
       </p:cxnSp>
       <p:sp>
         <p:nvSpPr>
-          <p:cNvPr id="80" name="文本框 79">
-            <a:extLst>
-              <a:ext uri="{FF2B5EF4-FFF2-40B4-BE49-F238E27FC236}">
-                <a16:creationId xmlns:a16="http://schemas.microsoft.com/office/drawing/2014/main" id="{52A917E0-3A3D-463D-9473-3E81C640A7AD}"/>
-              </a:ext>
-            </a:extLst>
-          </p:cNvPr>
+          <p:cNvPr id="80" name="文本框 79"/>
           <p:cNvSpPr txBox="1"/>
           <p:nvPr/>
         </p:nvSpPr>
@@ -6454,18 +6507,16 @@
               </a:rPr>
               <a:t>异常决策路径</a:t>
             </a:r>
+            <a:endParaRPr lang="zh-CN" altLang="en-US" sz="1200" dirty="0">
+              <a:latin typeface="宋体" panose="02010600030101010101" pitchFamily="2" charset="-122"/>
+              <a:ea typeface="宋体" panose="02010600030101010101" pitchFamily="2" charset="-122"/>
+            </a:endParaRPr>
           </a:p>
         </p:txBody>
       </p:sp>
       <p:sp>
         <p:nvSpPr>
-          <p:cNvPr id="81" name="文本框 80">
-            <a:extLst>
-              <a:ext uri="{FF2B5EF4-FFF2-40B4-BE49-F238E27FC236}">
-                <a16:creationId xmlns:a16="http://schemas.microsoft.com/office/drawing/2014/main" id="{3EA726D2-B0BE-4E98-8F74-BE81E095F8DA}"/>
-              </a:ext>
-            </a:extLst>
-          </p:cNvPr>
+          <p:cNvPr id="81" name="文本框 80"/>
           <p:cNvSpPr txBox="1"/>
           <p:nvPr/>
         </p:nvSpPr>
@@ -6492,6 +6543,10 @@
               </a:rPr>
               <a:t>正常决策路径</a:t>
             </a:r>
+            <a:endParaRPr lang="zh-CN" altLang="en-US" sz="1200" dirty="0">
+              <a:latin typeface="宋体" panose="02010600030101010101" pitchFamily="2" charset="-122"/>
+              <a:ea typeface="宋体" panose="02010600030101010101" pitchFamily="2" charset="-122"/>
+            </a:endParaRPr>
           </a:p>
         </p:txBody>
       </p:sp>
@@ -6591,6 +6646,11 @@
               </a:rPr>
               <a:t>组</a:t>
             </a:r>
+            <a:endParaRPr lang="zh-CN" altLang="en-US" sz="1400">
+              <a:latin typeface="宋体" panose="02010600030101010101" pitchFamily="2" charset="-122"/>
+              <a:ea typeface="宋体" panose="02010600030101010101" pitchFamily="2" charset="-122"/>
+              <a:cs typeface="宋体" panose="02010600030101010101" pitchFamily="2" charset="-122"/>
+            </a:endParaRPr>
           </a:p>
         </p:txBody>
       </p:sp>
@@ -6665,6 +6725,11 @@
               </a:rPr>
               <a:t>组</a:t>
             </a:r>
+            <a:endParaRPr lang="zh-CN" altLang="en-US" sz="1400">
+              <a:latin typeface="宋体" panose="02010600030101010101" pitchFamily="2" charset="-122"/>
+              <a:ea typeface="宋体" panose="02010600030101010101" pitchFamily="2" charset="-122"/>
+              <a:cs typeface="宋体" panose="02010600030101010101" pitchFamily="2" charset="-122"/>
+            </a:endParaRPr>
           </a:p>
         </p:txBody>
       </p:sp>
@@ -6739,6 +6804,11 @@
               </a:rPr>
               <a:t>组</a:t>
             </a:r>
+            <a:endParaRPr lang="zh-CN" altLang="en-US" sz="1400">
+              <a:latin typeface="宋体" panose="02010600030101010101" pitchFamily="2" charset="-122"/>
+              <a:ea typeface="宋体" panose="02010600030101010101" pitchFamily="2" charset="-122"/>
+              <a:cs typeface="宋体" panose="02010600030101010101" pitchFamily="2" charset="-122"/>
+            </a:endParaRPr>
           </a:p>
         </p:txBody>
       </p:sp>
@@ -6816,6 +6886,10 @@
               </a:rPr>
               <a:t>输入</a:t>
             </a:r>
+            <a:endParaRPr lang="zh-CN" altLang="en-US" sz="1400">
+              <a:latin typeface="宋体" panose="02010600030101010101" pitchFamily="2" charset="-122"/>
+              <a:ea typeface="宋体" panose="02010600030101010101" pitchFamily="2" charset="-122"/>
+            </a:endParaRPr>
           </a:p>
         </p:txBody>
       </p:sp>
@@ -6849,6 +6923,10 @@
               </a:rPr>
               <a:t>输出</a:t>
             </a:r>
+            <a:endParaRPr lang="zh-CN" altLang="en-US" sz="1400">
+              <a:latin typeface="宋体" panose="02010600030101010101" pitchFamily="2" charset="-122"/>
+              <a:ea typeface="宋体" panose="02010600030101010101" pitchFamily="2" charset="-122"/>
+            </a:endParaRPr>
           </a:p>
         </p:txBody>
       </p:sp>
@@ -7053,7 +7131,7 @@
         </p:nvSpPr>
         <p:spPr>
           <a:xfrm>
-            <a:off x="1334978" y="908685"/>
+            <a:off x="1334978" y="957580"/>
             <a:ext cx="995680" cy="337185"/>
           </a:xfrm>
           <a:prstGeom prst="rect">
@@ -7068,9 +7146,16 @@
           <a:lstStyle/>
           <a:p>
             <a:r>
-              <a:rPr lang="zh-CN" altLang="en-US" sz="1600"/>
+              <a:rPr lang="zh-CN" altLang="en-US" sz="1600">
+                <a:latin typeface="宋体" panose="02010600030101010101" pitchFamily="2" charset="-122"/>
+                <a:ea typeface="宋体" panose="02010600030101010101" pitchFamily="2" charset="-122"/>
+              </a:rPr>
               <a:t>白盒模型</a:t>
             </a:r>
+            <a:endParaRPr lang="zh-CN" altLang="en-US" sz="1600">
+              <a:latin typeface="宋体" panose="02010600030101010101" pitchFamily="2" charset="-122"/>
+              <a:ea typeface="宋体" panose="02010600030101010101" pitchFamily="2" charset="-122"/>
+            </a:endParaRPr>
           </a:p>
         </p:txBody>
       </p:sp>
@@ -9587,6 +9672,10 @@
               </a:rPr>
               <a:t>层次语义理解</a:t>
             </a:r>
+            <a:endParaRPr lang="zh-CN" altLang="en-US" sz="1400" b="1">
+              <a:latin typeface="宋体" panose="02010600030101010101" pitchFamily="2" charset="-122"/>
+              <a:ea typeface="宋体" panose="02010600030101010101" pitchFamily="2" charset="-122"/>
+            </a:endParaRPr>
           </a:p>
         </p:txBody>
       </p:sp>
@@ -9661,6 +9750,11 @@
               </a:rPr>
               <a:t>组</a:t>
             </a:r>
+            <a:endParaRPr lang="zh-CN" altLang="en-US" sz="1400">
+              <a:latin typeface="宋体" panose="02010600030101010101" pitchFamily="2" charset="-122"/>
+              <a:ea typeface="宋体" panose="02010600030101010101" pitchFamily="2" charset="-122"/>
+              <a:cs typeface="宋体" panose="02010600030101010101" pitchFamily="2" charset="-122"/>
+            </a:endParaRPr>
           </a:p>
         </p:txBody>
       </p:sp>
@@ -9735,6 +9829,11 @@
               </a:rPr>
               <a:t>组</a:t>
             </a:r>
+            <a:endParaRPr lang="zh-CN" altLang="en-US" sz="1400">
+              <a:latin typeface="宋体" panose="02010600030101010101" pitchFamily="2" charset="-122"/>
+              <a:ea typeface="宋体" panose="02010600030101010101" pitchFamily="2" charset="-122"/>
+              <a:cs typeface="宋体" panose="02010600030101010101" pitchFamily="2" charset="-122"/>
+            </a:endParaRPr>
           </a:p>
         </p:txBody>
       </p:sp>
@@ -9809,6 +9908,11 @@
               </a:rPr>
               <a:t>组</a:t>
             </a:r>
+            <a:endParaRPr lang="zh-CN" altLang="en-US" sz="1400">
+              <a:latin typeface="宋体" panose="02010600030101010101" pitchFamily="2" charset="-122"/>
+              <a:ea typeface="宋体" panose="02010600030101010101" pitchFamily="2" charset="-122"/>
+              <a:cs typeface="宋体" panose="02010600030101010101" pitchFamily="2" charset="-122"/>
+            </a:endParaRPr>
           </a:p>
         </p:txBody>
       </p:sp>
@@ -9885,6 +9989,10 @@
               </a:rPr>
               <a:t>输入</a:t>
             </a:r>
+            <a:endParaRPr lang="zh-CN" altLang="en-US" sz="1400">
+              <a:latin typeface="宋体" panose="02010600030101010101" pitchFamily="2" charset="-122"/>
+              <a:ea typeface="宋体" panose="02010600030101010101" pitchFamily="2" charset="-122"/>
+            </a:endParaRPr>
           </a:p>
         </p:txBody>
       </p:sp>
@@ -9918,6 +10026,10 @@
               </a:rPr>
               <a:t>输出</a:t>
             </a:r>
+            <a:endParaRPr lang="zh-CN" altLang="en-US" sz="1400">
+              <a:latin typeface="宋体" panose="02010600030101010101" pitchFamily="2" charset="-122"/>
+              <a:ea typeface="宋体" panose="02010600030101010101" pitchFamily="2" charset="-122"/>
+            </a:endParaRPr>
           </a:p>
         </p:txBody>
       </p:sp>
@@ -10155,8 +10267,8 @@
           </a:fontRef>
         </p:style>
       </p:cxnSp>
-      <mc:AlternateContent xmlns:mc="http://schemas.openxmlformats.org/markup-compatibility/2006" xmlns:a14="http://schemas.microsoft.com/office/drawing/2010/main">
-        <mc:Choice Requires="a14">
+      <mc:AlternateContent xmlns:mc="http://schemas.openxmlformats.org/markup-compatibility/2006">
+        <mc:Choice xmlns:a14="http://schemas.microsoft.com/office/drawing/2010/main" Requires="a14">
           <p:sp>
             <p:nvSpPr>
               <p:cNvPr id="103" name="文本框 102"/>
@@ -10195,7 +10307,7 @@
                               </a:solidFill>
                               <a:latin typeface="Cambria Math" panose="02040503050406030204" pitchFamily="18" charset="0"/>
                               <a:ea typeface="楷体" panose="02010609060101010101" charset="-122"/>
-                              <a:cs typeface="Cambria Math" panose="02040503050406030204" charset="0"/>
+                              <a:cs typeface="Cambria Math" panose="02040503050406030204" pitchFamily="18" charset="0"/>
                             </a:rPr>
                           </m:ctrlPr>
                         </m:sSubPr>
@@ -10205,9 +10317,9 @@
                               <a:solidFill>
                                 <a:srgbClr val="7030A0"/>
                               </a:solidFill>
-                              <a:latin typeface="Cambria Math" panose="02040503050406030204" charset="0"/>
+                              <a:latin typeface="Cambria Math" panose="02040503050406030204" pitchFamily="18" charset="0"/>
                               <a:ea typeface="楷体" panose="02010609060101010101" charset="-122"/>
-                              <a:cs typeface="Cambria Math" panose="02040503050406030204" charset="0"/>
+                              <a:cs typeface="Cambria Math" panose="02040503050406030204" pitchFamily="18" charset="0"/>
                             </a:rPr>
                             <m:t>𝐷</m:t>
                           </m:r>
@@ -10222,7 +10334,7 @@
                                   </a:solidFill>
                                   <a:latin typeface="Cambria Math" panose="02040503050406030204" pitchFamily="18" charset="0"/>
                                   <a:ea typeface="楷体" panose="02010609060101010101" charset="-122"/>
-                                  <a:cs typeface="Cambria Math" panose="02040503050406030204" charset="0"/>
+                                  <a:cs typeface="Cambria Math" panose="02040503050406030204" pitchFamily="18" charset="0"/>
                                 </a:rPr>
                               </m:ctrlPr>
                             </m:sSubPr>
@@ -10232,9 +10344,9 @@
                                   <a:solidFill>
                                     <a:srgbClr val="7030A0"/>
                                   </a:solidFill>
-                                  <a:latin typeface="Cambria Math" panose="02040503050406030204" charset="0"/>
+                                  <a:latin typeface="Cambria Math" panose="02040503050406030204" pitchFamily="18" charset="0"/>
                                   <a:ea typeface="楷体" panose="02010609060101010101" charset="-122"/>
-                                  <a:cs typeface="Cambria Math" panose="02040503050406030204" charset="0"/>
+                                  <a:cs typeface="Cambria Math" panose="02040503050406030204" pitchFamily="18" charset="0"/>
                                 </a:rPr>
                                 <m:t>𝐾𝐿</m:t>
                               </m:r>
@@ -10245,9 +10357,9 @@
                                   <a:solidFill>
                                     <a:srgbClr val="7030A0"/>
                                   </a:solidFill>
-                                  <a:latin typeface="Cambria Math" panose="02040503050406030204" charset="0"/>
+                                  <a:latin typeface="Cambria Math" panose="02040503050406030204" pitchFamily="18" charset="0"/>
                                   <a:ea typeface="楷体" panose="02010609060101010101" charset="-122"/>
-                                  <a:cs typeface="Cambria Math" panose="02040503050406030204" charset="0"/>
+                                  <a:cs typeface="Cambria Math" panose="02040503050406030204" pitchFamily="18" charset="0"/>
                                 </a:rPr>
                                 <m:t>1</m:t>
                               </m:r>
@@ -10270,7 +10382,7 @@
             </p:txBody>
           </p:sp>
         </mc:Choice>
-        <mc:Fallback xmlns="">
+        <mc:Fallback>
           <p:sp>
             <p:nvSpPr>
               <p:cNvPr id="103" name="文本框 102"/>
@@ -10288,7 +10400,7 @@
                 <a:avLst/>
               </a:prstGeom>
               <a:blipFill rotWithShape="1">
-                <a:blip r:embed="rId8"/>
+                <a:blip r:embed="rId1"/>
                 <a:stretch>
                   <a:fillRect/>
                 </a:stretch>
@@ -10309,8 +10421,8 @@
           </p:sp>
         </mc:Fallback>
       </mc:AlternateContent>
-      <mc:AlternateContent xmlns:mc="http://schemas.openxmlformats.org/markup-compatibility/2006" xmlns:a14="http://schemas.microsoft.com/office/drawing/2010/main">
-        <mc:Choice Requires="a14">
+      <mc:AlternateContent xmlns:mc="http://schemas.openxmlformats.org/markup-compatibility/2006">
+        <mc:Choice xmlns:a14="http://schemas.microsoft.com/office/drawing/2010/main" Requires="a14">
           <p:sp>
             <p:nvSpPr>
               <p:cNvPr id="104" name="文本框 103"/>
@@ -10349,7 +10461,7 @@
                               </a:solidFill>
                               <a:latin typeface="Cambria Math" panose="02040503050406030204" pitchFamily="18" charset="0"/>
                               <a:ea typeface="楷体" panose="02010609060101010101" charset="-122"/>
-                              <a:cs typeface="Cambria Math" panose="02040503050406030204" charset="0"/>
+                              <a:cs typeface="Cambria Math" panose="02040503050406030204" pitchFamily="18" charset="0"/>
                             </a:rPr>
                           </m:ctrlPr>
                         </m:sSubPr>
@@ -10359,9 +10471,9 @@
                               <a:solidFill>
                                 <a:srgbClr val="7030A0"/>
                               </a:solidFill>
-                              <a:latin typeface="Cambria Math" panose="02040503050406030204" charset="0"/>
+                              <a:latin typeface="Cambria Math" panose="02040503050406030204" pitchFamily="18" charset="0"/>
                               <a:ea typeface="楷体" panose="02010609060101010101" charset="-122"/>
-                              <a:cs typeface="Cambria Math" panose="02040503050406030204" charset="0"/>
+                              <a:cs typeface="Cambria Math" panose="02040503050406030204" pitchFamily="18" charset="0"/>
                             </a:rPr>
                             <m:t>𝐷</m:t>
                           </m:r>
@@ -10376,7 +10488,7 @@
                                   </a:solidFill>
                                   <a:latin typeface="Cambria Math" panose="02040503050406030204" pitchFamily="18" charset="0"/>
                                   <a:ea typeface="楷体" panose="02010609060101010101" charset="-122"/>
-                                  <a:cs typeface="Cambria Math" panose="02040503050406030204" charset="0"/>
+                                  <a:cs typeface="Cambria Math" panose="02040503050406030204" pitchFamily="18" charset="0"/>
                                 </a:rPr>
                               </m:ctrlPr>
                             </m:sSubPr>
@@ -10386,9 +10498,9 @@
                                   <a:solidFill>
                                     <a:srgbClr val="7030A0"/>
                                   </a:solidFill>
-                                  <a:latin typeface="Cambria Math" panose="02040503050406030204" charset="0"/>
+                                  <a:latin typeface="Cambria Math" panose="02040503050406030204" pitchFamily="18" charset="0"/>
                                   <a:ea typeface="楷体" panose="02010609060101010101" charset="-122"/>
-                                  <a:cs typeface="Cambria Math" panose="02040503050406030204" charset="0"/>
+                                  <a:cs typeface="Cambria Math" panose="02040503050406030204" pitchFamily="18" charset="0"/>
                                 </a:rPr>
                                 <m:t>𝐾𝐿</m:t>
                               </m:r>
@@ -10399,9 +10511,9 @@
                                   <a:solidFill>
                                     <a:srgbClr val="7030A0"/>
                                   </a:solidFill>
-                                  <a:latin typeface="Cambria Math" panose="02040503050406030204" charset="0"/>
+                                  <a:latin typeface="Cambria Math" panose="02040503050406030204" pitchFamily="18" charset="0"/>
                                   <a:ea typeface="楷体" panose="02010609060101010101" charset="-122"/>
-                                  <a:cs typeface="Cambria Math" panose="02040503050406030204" charset="0"/>
+                                  <a:cs typeface="Cambria Math" panose="02040503050406030204" pitchFamily="18" charset="0"/>
                                 </a:rPr>
                                 <m:t>2</m:t>
                               </m:r>
@@ -10424,7 +10536,7 @@
             </p:txBody>
           </p:sp>
         </mc:Choice>
-        <mc:Fallback xmlns="">
+        <mc:Fallback>
           <p:sp>
             <p:nvSpPr>
               <p:cNvPr id="104" name="文本框 103"/>
@@ -10442,7 +10554,7 @@
                 <a:avLst/>
               </a:prstGeom>
               <a:blipFill rotWithShape="1">
-                <a:blip r:embed="rId9"/>
+                <a:blip r:embed="rId2"/>
                 <a:stretch>
                   <a:fillRect/>
                 </a:stretch>
@@ -10463,8 +10575,8 @@
           </p:sp>
         </mc:Fallback>
       </mc:AlternateContent>
-      <mc:AlternateContent xmlns:mc="http://schemas.openxmlformats.org/markup-compatibility/2006" xmlns:a14="http://schemas.microsoft.com/office/drawing/2010/main">
-        <mc:Choice Requires="a14">
+      <mc:AlternateContent xmlns:mc="http://schemas.openxmlformats.org/markup-compatibility/2006">
+        <mc:Choice xmlns:a14="http://schemas.microsoft.com/office/drawing/2010/main" Requires="a14">
           <p:sp>
             <p:nvSpPr>
               <p:cNvPr id="105" name="文本框 104"/>
@@ -10503,7 +10615,7 @@
                               </a:solidFill>
                               <a:latin typeface="Cambria Math" panose="02040503050406030204" pitchFamily="18" charset="0"/>
                               <a:ea typeface="楷体" panose="02010609060101010101" charset="-122"/>
-                              <a:cs typeface="Cambria Math" panose="02040503050406030204" charset="0"/>
+                              <a:cs typeface="Cambria Math" panose="02040503050406030204" pitchFamily="18" charset="0"/>
                             </a:rPr>
                           </m:ctrlPr>
                         </m:sSubPr>
@@ -10513,9 +10625,9 @@
                               <a:solidFill>
                                 <a:srgbClr val="7030A0"/>
                               </a:solidFill>
-                              <a:latin typeface="Cambria Math" panose="02040503050406030204" charset="0"/>
+                              <a:latin typeface="Cambria Math" panose="02040503050406030204" pitchFamily="18" charset="0"/>
                               <a:ea typeface="楷体" panose="02010609060101010101" charset="-122"/>
-                              <a:cs typeface="Cambria Math" panose="02040503050406030204" charset="0"/>
+                              <a:cs typeface="Cambria Math" panose="02040503050406030204" pitchFamily="18" charset="0"/>
                             </a:rPr>
                             <m:t>𝐷</m:t>
                           </m:r>
@@ -10530,7 +10642,7 @@
                                   </a:solidFill>
                                   <a:latin typeface="Cambria Math" panose="02040503050406030204" pitchFamily="18" charset="0"/>
                                   <a:ea typeface="楷体" panose="02010609060101010101" charset="-122"/>
-                                  <a:cs typeface="Cambria Math" panose="02040503050406030204" charset="0"/>
+                                  <a:cs typeface="Cambria Math" panose="02040503050406030204" pitchFamily="18" charset="0"/>
                                 </a:rPr>
                               </m:ctrlPr>
                             </m:sSubPr>
@@ -10540,9 +10652,9 @@
                                   <a:solidFill>
                                     <a:srgbClr val="7030A0"/>
                                   </a:solidFill>
-                                  <a:latin typeface="Cambria Math" panose="02040503050406030204" charset="0"/>
+                                  <a:latin typeface="Cambria Math" panose="02040503050406030204" pitchFamily="18" charset="0"/>
                                   <a:ea typeface="楷体" panose="02010609060101010101" charset="-122"/>
-                                  <a:cs typeface="Cambria Math" panose="02040503050406030204" charset="0"/>
+                                  <a:cs typeface="Cambria Math" panose="02040503050406030204" pitchFamily="18" charset="0"/>
                                 </a:rPr>
                                 <m:t>𝐾𝐿</m:t>
                               </m:r>
@@ -10553,9 +10665,9 @@
                                   <a:solidFill>
                                     <a:srgbClr val="7030A0"/>
                                   </a:solidFill>
-                                  <a:latin typeface="Cambria Math" panose="02040503050406030204" charset="0"/>
+                                  <a:latin typeface="Cambria Math" panose="02040503050406030204" pitchFamily="18" charset="0"/>
                                   <a:ea typeface="楷体" panose="02010609060101010101" charset="-122"/>
-                                  <a:cs typeface="Cambria Math" panose="02040503050406030204" charset="0"/>
+                                  <a:cs typeface="Cambria Math" panose="02040503050406030204" pitchFamily="18" charset="0"/>
                                 </a:rPr>
                                 <m:t>3</m:t>
                               </m:r>
@@ -10578,7 +10690,7 @@
             </p:txBody>
           </p:sp>
         </mc:Choice>
-        <mc:Fallback xmlns="">
+        <mc:Fallback>
           <p:sp>
             <p:nvSpPr>
               <p:cNvPr id="105" name="文本框 104"/>
@@ -10596,7 +10708,7 @@
                 <a:avLst/>
               </a:prstGeom>
               <a:blipFill rotWithShape="1">
-                <a:blip r:embed="rId10"/>
+                <a:blip r:embed="rId3"/>
                 <a:stretch>
                   <a:fillRect/>
                 </a:stretch>
@@ -10625,7 +10737,7 @@
         </p:nvSpPr>
         <p:spPr>
           <a:xfrm>
-            <a:off x="4754880" y="909320"/>
+            <a:off x="4754880" y="958215"/>
             <a:ext cx="1402080" cy="337185"/>
           </a:xfrm>
           <a:prstGeom prst="rect">
@@ -10640,9 +10752,16 @@
           <a:lstStyle/>
           <a:p>
             <a:r>
-              <a:rPr lang="zh-CN" altLang="en-US" sz="1600"/>
+              <a:rPr lang="zh-CN" altLang="en-US" sz="1600">
+                <a:latin typeface="宋体" panose="02010600030101010101" pitchFamily="2" charset="-122"/>
+                <a:ea typeface="宋体" panose="02010600030101010101" pitchFamily="2" charset="-122"/>
+              </a:rPr>
               <a:t>预测行为抽取</a:t>
             </a:r>
+            <a:endParaRPr lang="zh-CN" altLang="en-US" sz="1600">
+              <a:latin typeface="宋体" panose="02010600030101010101" pitchFamily="2" charset="-122"/>
+              <a:ea typeface="宋体" panose="02010600030101010101" pitchFamily="2" charset="-122"/>
+            </a:endParaRPr>
           </a:p>
         </p:txBody>
       </p:sp>
@@ -10654,7 +10773,7 @@
         </p:nvSpPr>
         <p:spPr>
           <a:xfrm>
-            <a:off x="8968319" y="908685"/>
+            <a:off x="8968319" y="957580"/>
             <a:ext cx="995680" cy="337185"/>
           </a:xfrm>
           <a:prstGeom prst="rect">
@@ -10669,9 +10788,16 @@
           <a:lstStyle/>
           <a:p>
             <a:r>
-              <a:rPr lang="zh-CN" altLang="en-US" sz="1600" dirty="0"/>
+              <a:rPr lang="zh-CN" altLang="en-US" sz="1600" dirty="0">
+                <a:latin typeface="宋体" panose="02010600030101010101" pitchFamily="2" charset="-122"/>
+                <a:ea typeface="宋体" panose="02010600030101010101" pitchFamily="2" charset="-122"/>
+              </a:rPr>
               <a:t>知识蒸馏</a:t>
             </a:r>
+            <a:endParaRPr lang="zh-CN" altLang="en-US" sz="1600" dirty="0">
+              <a:latin typeface="宋体" panose="02010600030101010101" pitchFamily="2" charset="-122"/>
+              <a:ea typeface="宋体" panose="02010600030101010101" pitchFamily="2" charset="-122"/>
+            </a:endParaRPr>
           </a:p>
         </p:txBody>
       </p:sp>
@@ -10681,7 +10807,7 @@
           <p:cNvGraphicFramePr/>
           <p:nvPr>
             <p:custDataLst>
-              <p:tags r:id="rId1"/>
+              <p:tags r:id="rId4"/>
             </p:custDataLst>
           </p:nvPr>
         </p:nvGraphicFramePr>
@@ -10696,13 +10822,7 @@
                 <a:tableStyleId>{5C22544A-7EE6-4342-B048-85BDC9FD1C3A}</a:tableStyleId>
               </a:tblPr>
               <a:tblGrid>
-                <a:gridCol w="857250">
-                  <a:extLst>
-                    <a:ext uri="{9D8B030D-6E8A-4147-A177-3AD203B41FA5}">
-                      <a16:colId xmlns:a16="http://schemas.microsoft.com/office/drawing/2014/main" val="20000"/>
-                    </a:ext>
-                  </a:extLst>
-                </a:gridCol>
+                <a:gridCol w="857250"/>
               </a:tblGrid>
               <a:tr h="0">
                 <a:tc>
@@ -10752,11 +10872,6 @@
                     </a:solidFill>
                   </a:tcPr>
                 </a:tc>
-                <a:extLst>
-                  <a:ext uri="{0D108BD9-81ED-4DB2-BD59-A6C34878D82A}">
-                    <a16:rowId xmlns:a16="http://schemas.microsoft.com/office/drawing/2014/main" val="10000"/>
-                  </a:ext>
-                </a:extLst>
               </a:tr>
               <a:tr h="0">
                 <a:tc>
@@ -10806,11 +10921,6 @@
                     </a:solidFill>
                   </a:tcPr>
                 </a:tc>
-                <a:extLst>
-                  <a:ext uri="{0D108BD9-81ED-4DB2-BD59-A6C34878D82A}">
-                    <a16:rowId xmlns:a16="http://schemas.microsoft.com/office/drawing/2014/main" val="10001"/>
-                  </a:ext>
-                </a:extLst>
               </a:tr>
               <a:tr h="0">
                 <a:tc>
@@ -10860,11 +10970,6 @@
                     </a:solidFill>
                   </a:tcPr>
                 </a:tc>
-                <a:extLst>
-                  <a:ext uri="{0D108BD9-81ED-4DB2-BD59-A6C34878D82A}">
-                    <a16:rowId xmlns:a16="http://schemas.microsoft.com/office/drawing/2014/main" val="10002"/>
-                  </a:ext>
-                </a:extLst>
               </a:tr>
               <a:tr h="0">
                 <a:tc>
@@ -10914,11 +11019,6 @@
                     </a:solidFill>
                   </a:tcPr>
                 </a:tc>
-                <a:extLst>
-                  <a:ext uri="{0D108BD9-81ED-4DB2-BD59-A6C34878D82A}">
-                    <a16:rowId xmlns:a16="http://schemas.microsoft.com/office/drawing/2014/main" val="10003"/>
-                  </a:ext>
-                </a:extLst>
               </a:tr>
             </a:tbl>
           </a:graphicData>
@@ -10930,7 +11030,7 @@
           <p:cNvGraphicFramePr/>
           <p:nvPr>
             <p:custDataLst>
-              <p:tags r:id="rId2"/>
+              <p:tags r:id="rId5"/>
             </p:custDataLst>
           </p:nvPr>
         </p:nvGraphicFramePr>
@@ -10945,13 +11045,7 @@
                 <a:tableStyleId>{5C22544A-7EE6-4342-B048-85BDC9FD1C3A}</a:tableStyleId>
               </a:tblPr>
               <a:tblGrid>
-                <a:gridCol w="554990">
-                  <a:extLst>
-                    <a:ext uri="{9D8B030D-6E8A-4147-A177-3AD203B41FA5}">
-                      <a16:colId xmlns:a16="http://schemas.microsoft.com/office/drawing/2014/main" val="20000"/>
-                    </a:ext>
-                  </a:extLst>
-                </a:gridCol>
+                <a:gridCol w="554990"/>
               </a:tblGrid>
               <a:tr h="0">
                 <a:tc>
@@ -11001,11 +11095,6 @@
                     </a:solidFill>
                   </a:tcPr>
                 </a:tc>
-                <a:extLst>
-                  <a:ext uri="{0D108BD9-81ED-4DB2-BD59-A6C34878D82A}">
-                    <a16:rowId xmlns:a16="http://schemas.microsoft.com/office/drawing/2014/main" val="10000"/>
-                  </a:ext>
-                </a:extLst>
               </a:tr>
               <a:tr h="0">
                 <a:tc>
@@ -11055,11 +11144,6 @@
                     </a:solidFill>
                   </a:tcPr>
                 </a:tc>
-                <a:extLst>
-                  <a:ext uri="{0D108BD9-81ED-4DB2-BD59-A6C34878D82A}">
-                    <a16:rowId xmlns:a16="http://schemas.microsoft.com/office/drawing/2014/main" val="10001"/>
-                  </a:ext>
-                </a:extLst>
               </a:tr>
               <a:tr h="0">
                 <a:tc>
@@ -11109,11 +11193,6 @@
                     </a:solidFill>
                   </a:tcPr>
                 </a:tc>
-                <a:extLst>
-                  <a:ext uri="{0D108BD9-81ED-4DB2-BD59-A6C34878D82A}">
-                    <a16:rowId xmlns:a16="http://schemas.microsoft.com/office/drawing/2014/main" val="10002"/>
-                  </a:ext>
-                </a:extLst>
               </a:tr>
               <a:tr h="0">
                 <a:tc>
@@ -11163,11 +11242,6 @@
                     </a:solidFill>
                   </a:tcPr>
                 </a:tc>
-                <a:extLst>
-                  <a:ext uri="{0D108BD9-81ED-4DB2-BD59-A6C34878D82A}">
-                    <a16:rowId xmlns:a16="http://schemas.microsoft.com/office/drawing/2014/main" val="10003"/>
-                  </a:ext>
-                </a:extLst>
               </a:tr>
             </a:tbl>
           </a:graphicData>
@@ -11307,6 +11381,10 @@
               </a:rPr>
               <a:t>显著特征提取</a:t>
             </a:r>
+            <a:endParaRPr lang="zh-CN" altLang="en-US" sz="1400" b="1">
+              <a:latin typeface="宋体" panose="02010600030101010101" pitchFamily="2" charset="-122"/>
+              <a:ea typeface="宋体" panose="02010600030101010101" pitchFamily="2" charset="-122"/>
+            </a:endParaRPr>
           </a:p>
         </p:txBody>
       </p:sp>
@@ -11316,7 +11394,7 @@
           <p:cNvGraphicFramePr/>
           <p:nvPr>
             <p:custDataLst>
-              <p:tags r:id="rId3"/>
+              <p:tags r:id="rId6"/>
             </p:custDataLst>
           </p:nvPr>
         </p:nvGraphicFramePr>
@@ -11331,13 +11409,7 @@
                 <a:tableStyleId>{5C22544A-7EE6-4342-B048-85BDC9FD1C3A}</a:tableStyleId>
               </a:tblPr>
               <a:tblGrid>
-                <a:gridCol w="857250">
-                  <a:extLst>
-                    <a:ext uri="{9D8B030D-6E8A-4147-A177-3AD203B41FA5}">
-                      <a16:colId xmlns:a16="http://schemas.microsoft.com/office/drawing/2014/main" val="20000"/>
-                    </a:ext>
-                  </a:extLst>
-                </a:gridCol>
+                <a:gridCol w="857250"/>
               </a:tblGrid>
               <a:tr h="0">
                 <a:tc>
@@ -11387,11 +11459,6 @@
                     </a:solidFill>
                   </a:tcPr>
                 </a:tc>
-                <a:extLst>
-                  <a:ext uri="{0D108BD9-81ED-4DB2-BD59-A6C34878D82A}">
-                    <a16:rowId xmlns:a16="http://schemas.microsoft.com/office/drawing/2014/main" val="10000"/>
-                  </a:ext>
-                </a:extLst>
               </a:tr>
               <a:tr h="0">
                 <a:tc>
@@ -11441,11 +11508,6 @@
                     </a:solidFill>
                   </a:tcPr>
                 </a:tc>
-                <a:extLst>
-                  <a:ext uri="{0D108BD9-81ED-4DB2-BD59-A6C34878D82A}">
-                    <a16:rowId xmlns:a16="http://schemas.microsoft.com/office/drawing/2014/main" val="10001"/>
-                  </a:ext>
-                </a:extLst>
               </a:tr>
               <a:tr h="0">
                 <a:tc>
@@ -11495,11 +11557,6 @@
                     </a:solidFill>
                   </a:tcPr>
                 </a:tc>
-                <a:extLst>
-                  <a:ext uri="{0D108BD9-81ED-4DB2-BD59-A6C34878D82A}">
-                    <a16:rowId xmlns:a16="http://schemas.microsoft.com/office/drawing/2014/main" val="10002"/>
-                  </a:ext>
-                </a:extLst>
               </a:tr>
               <a:tr h="0">
                 <a:tc>
@@ -11549,11 +11606,6 @@
                     </a:solidFill>
                   </a:tcPr>
                 </a:tc>
-                <a:extLst>
-                  <a:ext uri="{0D108BD9-81ED-4DB2-BD59-A6C34878D82A}">
-                    <a16:rowId xmlns:a16="http://schemas.microsoft.com/office/drawing/2014/main" val="10003"/>
-                  </a:ext>
-                </a:extLst>
               </a:tr>
             </a:tbl>
           </a:graphicData>
@@ -11565,7 +11617,7 @@
           <p:cNvGraphicFramePr/>
           <p:nvPr>
             <p:custDataLst>
-              <p:tags r:id="rId4"/>
+              <p:tags r:id="rId7"/>
             </p:custDataLst>
           </p:nvPr>
         </p:nvGraphicFramePr>
@@ -11580,13 +11632,7 @@
                 <a:tableStyleId>{5C22544A-7EE6-4342-B048-85BDC9FD1C3A}</a:tableStyleId>
               </a:tblPr>
               <a:tblGrid>
-                <a:gridCol w="554990">
-                  <a:extLst>
-                    <a:ext uri="{9D8B030D-6E8A-4147-A177-3AD203B41FA5}">
-                      <a16:colId xmlns:a16="http://schemas.microsoft.com/office/drawing/2014/main" val="20000"/>
-                    </a:ext>
-                  </a:extLst>
-                </a:gridCol>
+                <a:gridCol w="554990"/>
               </a:tblGrid>
               <a:tr h="0">
                 <a:tc>
@@ -11636,11 +11682,6 @@
                     </a:solidFill>
                   </a:tcPr>
                 </a:tc>
-                <a:extLst>
-                  <a:ext uri="{0D108BD9-81ED-4DB2-BD59-A6C34878D82A}">
-                    <a16:rowId xmlns:a16="http://schemas.microsoft.com/office/drawing/2014/main" val="10000"/>
-                  </a:ext>
-                </a:extLst>
               </a:tr>
               <a:tr h="0">
                 <a:tc>
@@ -11690,11 +11731,6 @@
                     </a:solidFill>
                   </a:tcPr>
                 </a:tc>
-                <a:extLst>
-                  <a:ext uri="{0D108BD9-81ED-4DB2-BD59-A6C34878D82A}">
-                    <a16:rowId xmlns:a16="http://schemas.microsoft.com/office/drawing/2014/main" val="10001"/>
-                  </a:ext>
-                </a:extLst>
               </a:tr>
               <a:tr h="0">
                 <a:tc>
@@ -11744,11 +11780,6 @@
                     </a:solidFill>
                   </a:tcPr>
                 </a:tc>
-                <a:extLst>
-                  <a:ext uri="{0D108BD9-81ED-4DB2-BD59-A6C34878D82A}">
-                    <a16:rowId xmlns:a16="http://schemas.microsoft.com/office/drawing/2014/main" val="10002"/>
-                  </a:ext>
-                </a:extLst>
               </a:tr>
               <a:tr h="0">
                 <a:tc>
@@ -11798,11 +11829,6 @@
                     </a:solidFill>
                   </a:tcPr>
                 </a:tc>
-                <a:extLst>
-                  <a:ext uri="{0D108BD9-81ED-4DB2-BD59-A6C34878D82A}">
-                    <a16:rowId xmlns:a16="http://schemas.microsoft.com/office/drawing/2014/main" val="10003"/>
-                  </a:ext>
-                </a:extLst>
               </a:tr>
             </a:tbl>
           </a:graphicData>
@@ -11857,7 +11883,7 @@
           <p:cNvGraphicFramePr/>
           <p:nvPr>
             <p:custDataLst>
-              <p:tags r:id="rId5"/>
+              <p:tags r:id="rId8"/>
             </p:custDataLst>
           </p:nvPr>
         </p:nvGraphicFramePr>
@@ -11872,13 +11898,7 @@
                 <a:tableStyleId>{5C22544A-7EE6-4342-B048-85BDC9FD1C3A}</a:tableStyleId>
               </a:tblPr>
               <a:tblGrid>
-                <a:gridCol w="857250">
-                  <a:extLst>
-                    <a:ext uri="{9D8B030D-6E8A-4147-A177-3AD203B41FA5}">
-                      <a16:colId xmlns:a16="http://schemas.microsoft.com/office/drawing/2014/main" val="20000"/>
-                    </a:ext>
-                  </a:extLst>
-                </a:gridCol>
+                <a:gridCol w="857250"/>
               </a:tblGrid>
               <a:tr h="0">
                 <a:tc>
@@ -11928,11 +11948,6 @@
                     </a:solidFill>
                   </a:tcPr>
                 </a:tc>
-                <a:extLst>
-                  <a:ext uri="{0D108BD9-81ED-4DB2-BD59-A6C34878D82A}">
-                    <a16:rowId xmlns:a16="http://schemas.microsoft.com/office/drawing/2014/main" val="10000"/>
-                  </a:ext>
-                </a:extLst>
               </a:tr>
               <a:tr h="0">
                 <a:tc>
@@ -11982,11 +11997,6 @@
                     </a:solidFill>
                   </a:tcPr>
                 </a:tc>
-                <a:extLst>
-                  <a:ext uri="{0D108BD9-81ED-4DB2-BD59-A6C34878D82A}">
-                    <a16:rowId xmlns:a16="http://schemas.microsoft.com/office/drawing/2014/main" val="10001"/>
-                  </a:ext>
-                </a:extLst>
               </a:tr>
               <a:tr h="0">
                 <a:tc>
@@ -12036,11 +12046,6 @@
                     </a:solidFill>
                   </a:tcPr>
                 </a:tc>
-                <a:extLst>
-                  <a:ext uri="{0D108BD9-81ED-4DB2-BD59-A6C34878D82A}">
-                    <a16:rowId xmlns:a16="http://schemas.microsoft.com/office/drawing/2014/main" val="10002"/>
-                  </a:ext>
-                </a:extLst>
               </a:tr>
               <a:tr h="0">
                 <a:tc>
@@ -12090,11 +12095,6 @@
                     </a:solidFill>
                   </a:tcPr>
                 </a:tc>
-                <a:extLst>
-                  <a:ext uri="{0D108BD9-81ED-4DB2-BD59-A6C34878D82A}">
-                    <a16:rowId xmlns:a16="http://schemas.microsoft.com/office/drawing/2014/main" val="10003"/>
-                  </a:ext>
-                </a:extLst>
               </a:tr>
             </a:tbl>
           </a:graphicData>
@@ -12106,7 +12106,7 @@
           <p:cNvGraphicFramePr/>
           <p:nvPr>
             <p:custDataLst>
-              <p:tags r:id="rId6"/>
+              <p:tags r:id="rId9"/>
             </p:custDataLst>
           </p:nvPr>
         </p:nvGraphicFramePr>
@@ -12121,13 +12121,7 @@
                 <a:tableStyleId>{5C22544A-7EE6-4342-B048-85BDC9FD1C3A}</a:tableStyleId>
               </a:tblPr>
               <a:tblGrid>
-                <a:gridCol w="554990">
-                  <a:extLst>
-                    <a:ext uri="{9D8B030D-6E8A-4147-A177-3AD203B41FA5}">
-                      <a16:colId xmlns:a16="http://schemas.microsoft.com/office/drawing/2014/main" val="20000"/>
-                    </a:ext>
-                  </a:extLst>
-                </a:gridCol>
+                <a:gridCol w="554990"/>
               </a:tblGrid>
               <a:tr h="0">
                 <a:tc>
@@ -12177,11 +12171,6 @@
                     </a:solidFill>
                   </a:tcPr>
                 </a:tc>
-                <a:extLst>
-                  <a:ext uri="{0D108BD9-81ED-4DB2-BD59-A6C34878D82A}">
-                    <a16:rowId xmlns:a16="http://schemas.microsoft.com/office/drawing/2014/main" val="10000"/>
-                  </a:ext>
-                </a:extLst>
               </a:tr>
               <a:tr h="0">
                 <a:tc>
@@ -12231,11 +12220,6 @@
                     </a:solidFill>
                   </a:tcPr>
                 </a:tc>
-                <a:extLst>
-                  <a:ext uri="{0D108BD9-81ED-4DB2-BD59-A6C34878D82A}">
-                    <a16:rowId xmlns:a16="http://schemas.microsoft.com/office/drawing/2014/main" val="10001"/>
-                  </a:ext>
-                </a:extLst>
               </a:tr>
               <a:tr h="0">
                 <a:tc>
@@ -12285,11 +12269,6 @@
                     </a:solidFill>
                   </a:tcPr>
                 </a:tc>
-                <a:extLst>
-                  <a:ext uri="{0D108BD9-81ED-4DB2-BD59-A6C34878D82A}">
-                    <a16:rowId xmlns:a16="http://schemas.microsoft.com/office/drawing/2014/main" val="10002"/>
-                  </a:ext>
-                </a:extLst>
               </a:tr>
               <a:tr h="0">
                 <a:tc>
@@ -12339,11 +12318,6 @@
                     </a:solidFill>
                   </a:tcPr>
                 </a:tc>
-                <a:extLst>
-                  <a:ext uri="{0D108BD9-81ED-4DB2-BD59-A6C34878D82A}">
-                    <a16:rowId xmlns:a16="http://schemas.microsoft.com/office/drawing/2014/main" val="10003"/>
-                  </a:ext>
-                </a:extLst>
               </a:tr>
             </a:tbl>
           </a:graphicData>
@@ -12530,7 +12504,7 @@
           <p:nvPr/>
         </p:nvPicPr>
         <p:blipFill>
-          <a:blip r:embed="rId11"/>
+          <a:blip r:embed="rId10"/>
           <a:stretch>
             <a:fillRect/>
           </a:stretch>
@@ -12559,7 +12533,7 @@
           <p:nvPr/>
         </p:nvPicPr>
         <p:blipFill>
-          <a:blip r:embed="rId12"/>
+          <a:blip r:embed="rId11"/>
           <a:stretch>
             <a:fillRect/>
           </a:stretch>
@@ -12588,7 +12562,7 @@
           <p:nvPr/>
         </p:nvPicPr>
         <p:blipFill>
-          <a:blip r:embed="rId13"/>
+          <a:blip r:embed="rId12"/>
           <a:stretch>
             <a:fillRect/>
           </a:stretch>
@@ -12767,6 +12741,10 @@
               </a:rPr>
               <a:t>层次聚类</a:t>
             </a:r>
+            <a:endParaRPr lang="zh-CN" altLang="en-US" sz="1400" b="1">
+              <a:latin typeface="宋体" panose="02010600030101010101" pitchFamily="2" charset="-122"/>
+              <a:ea typeface="宋体" panose="02010600030101010101" pitchFamily="2" charset="-122"/>
+            </a:endParaRPr>
           </a:p>
         </p:txBody>
       </p:sp>
@@ -12979,42 +12957,42 @@
 </file>
 
 <file path=ppt/tags/tag1.xml><?xml version="1.0" encoding="utf-8"?>
-<p:tagLst xmlns:a="http://schemas.openxmlformats.org/drawingml/2006/main" xmlns:r="http://schemas.openxmlformats.org/officeDocument/2006/relationships" xmlns:p="http://schemas.openxmlformats.org/presentationml/2006/main">
+<p:tagLst xmlns:p="http://schemas.openxmlformats.org/presentationml/2006/main">
   <p:tag name="TABLE_ENDDRAG_ORIGIN_RECT" val="43*33"/>
   <p:tag name="TABLE_ENDDRAG_RECT" val="314*188*43*33"/>
 </p:tagLst>
 </file>
 
 <file path=ppt/tags/tag2.xml><?xml version="1.0" encoding="utf-8"?>
-<p:tagLst xmlns:a="http://schemas.openxmlformats.org/drawingml/2006/main" xmlns:r="http://schemas.openxmlformats.org/officeDocument/2006/relationships" xmlns:p="http://schemas.openxmlformats.org/presentationml/2006/main">
+<p:tagLst xmlns:p="http://schemas.openxmlformats.org/presentationml/2006/main">
   <p:tag name="TABLE_ENDDRAG_ORIGIN_RECT" val="81*33"/>
   <p:tag name="TABLE_ENDDRAG_RECT" val="209*174*81*33"/>
 </p:tagLst>
 </file>
 
 <file path=ppt/tags/tag3.xml><?xml version="1.0" encoding="utf-8"?>
-<p:tagLst xmlns:a="http://schemas.openxmlformats.org/drawingml/2006/main" xmlns:r="http://schemas.openxmlformats.org/officeDocument/2006/relationships" xmlns:p="http://schemas.openxmlformats.org/presentationml/2006/main">
+<p:tagLst xmlns:p="http://schemas.openxmlformats.org/presentationml/2006/main">
   <p:tag name="TABLE_ENDDRAG_ORIGIN_RECT" val="43*33"/>
   <p:tag name="TABLE_ENDDRAG_RECT" val="314*188*43*33"/>
 </p:tagLst>
 </file>
 
 <file path=ppt/tags/tag4.xml><?xml version="1.0" encoding="utf-8"?>
-<p:tagLst xmlns:a="http://schemas.openxmlformats.org/drawingml/2006/main" xmlns:r="http://schemas.openxmlformats.org/officeDocument/2006/relationships" xmlns:p="http://schemas.openxmlformats.org/presentationml/2006/main">
+<p:tagLst xmlns:p="http://schemas.openxmlformats.org/presentationml/2006/main">
   <p:tag name="TABLE_ENDDRAG_ORIGIN_RECT" val="81*33"/>
   <p:tag name="TABLE_ENDDRAG_RECT" val="209*174*81*33"/>
 </p:tagLst>
 </file>
 
 <file path=ppt/tags/tag5.xml><?xml version="1.0" encoding="utf-8"?>
-<p:tagLst xmlns:a="http://schemas.openxmlformats.org/drawingml/2006/main" xmlns:r="http://schemas.openxmlformats.org/officeDocument/2006/relationships" xmlns:p="http://schemas.openxmlformats.org/presentationml/2006/main">
+<p:tagLst xmlns:p="http://schemas.openxmlformats.org/presentationml/2006/main">
   <p:tag name="TABLE_ENDDRAG_ORIGIN_RECT" val="43*33"/>
   <p:tag name="TABLE_ENDDRAG_RECT" val="314*188*43*33"/>
 </p:tagLst>
 </file>
 
 <file path=ppt/tags/tag6.xml><?xml version="1.0" encoding="utf-8"?>
-<p:tagLst xmlns:a="http://schemas.openxmlformats.org/drawingml/2006/main" xmlns:r="http://schemas.openxmlformats.org/officeDocument/2006/relationships" xmlns:p="http://schemas.openxmlformats.org/presentationml/2006/main">
+<p:tagLst xmlns:p="http://schemas.openxmlformats.org/presentationml/2006/main">
   <p:tag name="TABLE_ENDDRAG_ORIGIN_RECT" val="81*33"/>
   <p:tag name="TABLE_ENDDRAG_RECT" val="209*174*81*33"/>
 </p:tagLst>
@@ -13271,8 +13249,6 @@
       </a:bgFillStyleLst>
     </a:fmtScheme>
   </a:themeElements>
-  <a:objectDefaults/>
-  <a:extraClrSchemeLst/>
   <a:extLst>
     <a:ext uri="{05A4C25C-085E-4340-85A3-A5531E510DB2}">
       <thm15:themeFamily xmlns:thm15="http://schemas.microsoft.com/office/thememl/2012/main" name="Office Theme" id="{62F939B6-93AF-4DB8-9C6B-D6C7DFDC589F}" vid="{4A3C46E8-61CC-4603-A589-7422A47A8E4A}"/>

--- a/images/ch3_WBtest.pptx
+++ b/images/ch3_WBtest.pptx
@@ -6824,7 +6824,7 @@
         <p:spPr>
           <a:xfrm flipV="1">
             <a:off x="1832818" y="4322445"/>
-            <a:ext cx="0" cy="138430"/>
+            <a:ext cx="0" cy="117474"/>
           </a:xfrm>
           <a:prstGeom prst="straightConnector1">
             <a:avLst/>
@@ -6864,7 +6864,7 @@
         </p:nvSpPr>
         <p:spPr>
           <a:xfrm>
-            <a:off x="1397208" y="4460875"/>
+            <a:off x="1397208" y="4439919"/>
             <a:ext cx="871220" cy="306705"/>
           </a:xfrm>
           <a:prstGeom prst="rect">
@@ -7167,7 +7167,7 @@
         </p:nvGrpSpPr>
         <p:grpSpPr>
           <a:xfrm>
-            <a:off x="6803073" y="3880485"/>
+            <a:off x="6923723" y="3990975"/>
             <a:ext cx="856615" cy="388620"/>
             <a:chOff x="5329" y="6488"/>
             <a:chExt cx="1349" cy="612"/>
@@ -7432,7 +7432,7 @@
         </p:nvGrpSpPr>
         <p:grpSpPr>
           <a:xfrm>
-            <a:off x="6578600" y="2898140"/>
+            <a:off x="6699250" y="3065780"/>
             <a:ext cx="1305560" cy="622935"/>
             <a:chOff x="4976" y="4859"/>
             <a:chExt cx="2056" cy="981"/>
@@ -8108,7 +8108,7 @@
         </p:nvGrpSpPr>
         <p:grpSpPr>
           <a:xfrm>
-            <a:off x="6469063" y="1683385"/>
+            <a:off x="6589713" y="1793875"/>
             <a:ext cx="1524635" cy="868680"/>
             <a:chOff x="4888" y="2528"/>
             <a:chExt cx="2401" cy="1368"/>
@@ -9639,7 +9639,7 @@
         </p:nvSpPr>
         <p:spPr>
           <a:xfrm>
-            <a:off x="6534150" y="1335405"/>
+            <a:off x="6616700" y="1335405"/>
             <a:ext cx="1257300" cy="306705"/>
           </a:xfrm>
           <a:prstGeom prst="rect">
@@ -9687,7 +9687,7 @@
         </p:nvSpPr>
         <p:spPr>
           <a:xfrm>
-            <a:off x="8859734" y="3862070"/>
+            <a:off x="8859734" y="3928110"/>
             <a:ext cx="1212850" cy="461010"/>
           </a:xfrm>
           <a:prstGeom prst="rect">
@@ -9766,7 +9766,7 @@
         </p:nvSpPr>
         <p:spPr>
           <a:xfrm>
-            <a:off x="8859734" y="2821305"/>
+            <a:off x="8859734" y="2912745"/>
             <a:ext cx="1212850" cy="461010"/>
           </a:xfrm>
           <a:prstGeom prst="rect">
@@ -9845,7 +9845,7 @@
         </p:nvSpPr>
         <p:spPr>
           <a:xfrm>
-            <a:off x="8859734" y="1780540"/>
+            <a:off x="8859734" y="1846580"/>
             <a:ext cx="1212850" cy="461010"/>
           </a:xfrm>
           <a:prstGeom prst="rect">
@@ -9927,8 +9927,8 @@
         </p:nvCxnSpPr>
         <p:spPr>
           <a:xfrm flipV="1">
-            <a:off x="9466159" y="4323080"/>
-            <a:ext cx="0" cy="135890"/>
+            <a:off x="9466159" y="4389120"/>
+            <a:ext cx="0" cy="94615"/>
           </a:xfrm>
           <a:prstGeom prst="straightConnector1">
             <a:avLst/>
@@ -9967,7 +9967,7 @@
         </p:nvSpPr>
         <p:spPr>
           <a:xfrm>
-            <a:off x="9030549" y="4458970"/>
+            <a:off x="9030549" y="4483735"/>
             <a:ext cx="871220" cy="306705"/>
           </a:xfrm>
           <a:prstGeom prst="rect">
@@ -10044,8 +10044,8 @@
         </p:nvCxnSpPr>
         <p:spPr>
           <a:xfrm flipV="1">
-            <a:off x="9466159" y="3282315"/>
-            <a:ext cx="0" cy="579755"/>
+            <a:off x="9466159" y="3373755"/>
+            <a:ext cx="0" cy="554355"/>
           </a:xfrm>
           <a:prstGeom prst="straightConnector1">
             <a:avLst/>
@@ -10088,8 +10088,8 @@
         </p:nvCxnSpPr>
         <p:spPr>
           <a:xfrm flipV="1">
-            <a:off x="9466159" y="2241550"/>
-            <a:ext cx="0" cy="579755"/>
+            <a:off x="9466159" y="2307590"/>
+            <a:ext cx="0" cy="605155"/>
           </a:xfrm>
           <a:prstGeom prst="straightConnector1">
             <a:avLst/>
@@ -10133,7 +10133,7 @@
         <p:spPr>
           <a:xfrm flipV="1">
             <a:off x="9466159" y="1642110"/>
-            <a:ext cx="0" cy="138430"/>
+            <a:ext cx="0" cy="204470"/>
           </a:xfrm>
           <a:prstGeom prst="straightConnector1">
             <a:avLst/>
@@ -10228,15 +10228,13 @@
       <p:cxnSp>
         <p:nvCxnSpPr>
           <p:cNvPr id="100" name="直接箭头连接符 99"/>
-          <p:cNvCxnSpPr>
-            <a:endCxn id="91" idx="1"/>
-          </p:cNvCxnSpPr>
+          <p:cNvCxnSpPr/>
           <p:nvPr/>
         </p:nvCxnSpPr>
         <p:spPr>
           <a:xfrm>
-            <a:off x="7868920" y="2011045"/>
-            <a:ext cx="990600" cy="0"/>
+            <a:off x="8035925" y="2115185"/>
+            <a:ext cx="823595" cy="0"/>
           </a:xfrm>
           <a:prstGeom prst="straightConnector1">
             <a:avLst/>
@@ -10277,7 +10275,7 @@
             </p:nvSpPr>
             <p:spPr>
               <a:xfrm>
-                <a:off x="7994016" y="3771265"/>
+                <a:off x="7994016" y="3851910"/>
                 <a:ext cx="871220" cy="295910"/>
               </a:xfrm>
               <a:prstGeom prst="rect">
@@ -10393,7 +10391,7 @@
             </p:nvSpPr>
             <p:spPr>
               <a:xfrm>
-                <a:off x="7994016" y="3771265"/>
+                <a:off x="7994016" y="3851910"/>
                 <a:ext cx="871220" cy="295910"/>
               </a:xfrm>
               <a:prstGeom prst="rect">
@@ -10431,7 +10429,7 @@
             </p:nvSpPr>
             <p:spPr>
               <a:xfrm>
-                <a:off x="7994016" y="2738755"/>
+                <a:off x="7994016" y="2890520"/>
                 <a:ext cx="871220" cy="295910"/>
               </a:xfrm>
               <a:prstGeom prst="rect">
@@ -10547,7 +10545,7 @@
             </p:nvSpPr>
             <p:spPr>
               <a:xfrm>
-                <a:off x="7994016" y="2738755"/>
+                <a:off x="7994016" y="2890520"/>
                 <a:ext cx="871220" cy="295910"/>
               </a:xfrm>
               <a:prstGeom prst="rect">
@@ -10585,7 +10583,7 @@
             </p:nvSpPr>
             <p:spPr>
               <a:xfrm>
-                <a:off x="7994016" y="1701165"/>
+                <a:off x="7994016" y="1818005"/>
                 <a:ext cx="871220" cy="296545"/>
               </a:xfrm>
               <a:prstGeom prst="rect">
@@ -10701,7 +10699,7 @@
             </p:nvSpPr>
             <p:spPr>
               <a:xfrm>
-                <a:off x="7994016" y="1701165"/>
+                <a:off x="7994016" y="1818005"/>
                 <a:ext cx="871220" cy="296545"/>
               </a:xfrm>
               <a:prstGeom prst="rect">
@@ -10737,7 +10735,7 @@
         </p:nvSpPr>
         <p:spPr>
           <a:xfrm>
-            <a:off x="4754880" y="958215"/>
+            <a:off x="4837430" y="958215"/>
             <a:ext cx="1402080" cy="337185"/>
           </a:xfrm>
           <a:prstGeom prst="rect">
@@ -10812,8 +10810,8 @@
           </p:nvPr>
         </p:nvGraphicFramePr>
         <p:xfrm>
-          <a:off x="2774950" y="2839720"/>
-          <a:ext cx="857250" cy="426720"/>
+          <a:off x="2857500" y="2962910"/>
+          <a:ext cx="857250" cy="467360"/>
         </p:xfrm>
         <a:graphic>
           <a:graphicData uri="http://schemas.openxmlformats.org/drawingml/2006/table">
@@ -11035,8 +11033,8 @@
           </p:nvPr>
         </p:nvGraphicFramePr>
         <p:xfrm>
-          <a:off x="3905250" y="2839085"/>
-          <a:ext cx="554990" cy="426720"/>
+          <a:off x="3987800" y="2962275"/>
+          <a:ext cx="554990" cy="467360"/>
         </p:xfrm>
         <a:graphic>
           <a:graphicData uri="http://schemas.openxmlformats.org/drawingml/2006/table">
@@ -11258,7 +11256,7 @@
         </p:nvCxnSpPr>
         <p:spPr>
           <a:xfrm flipV="1">
-            <a:off x="3632200" y="3052445"/>
+            <a:off x="3714750" y="3175635"/>
             <a:ext cx="273050" cy="635"/>
           </a:xfrm>
           <a:prstGeom prst="straightConnector1">
@@ -11298,7 +11296,7 @@
         </p:nvSpPr>
         <p:spPr>
           <a:xfrm>
-            <a:off x="2661920" y="1329690"/>
+            <a:off x="2744470" y="1329690"/>
             <a:ext cx="5403215" cy="3435985"/>
           </a:xfrm>
           <a:prstGeom prst="roundRect">
@@ -11359,7 +11357,7 @@
         </p:nvSpPr>
         <p:spPr>
           <a:xfrm>
-            <a:off x="2919095" y="1335405"/>
+            <a:off x="3001645" y="1335405"/>
             <a:ext cx="1435100" cy="306705"/>
           </a:xfrm>
           <a:prstGeom prst="rect">
@@ -11399,8 +11397,8 @@
           </p:nvPr>
         </p:nvGraphicFramePr>
         <p:xfrm>
-          <a:off x="2774950" y="1920875"/>
-          <a:ext cx="857250" cy="426720"/>
+          <a:off x="2857500" y="1986915"/>
+          <a:ext cx="857250" cy="467360"/>
         </p:xfrm>
         <a:graphic>
           <a:graphicData uri="http://schemas.openxmlformats.org/drawingml/2006/table">
@@ -11622,8 +11620,8 @@
           </p:nvPr>
         </p:nvGraphicFramePr>
         <p:xfrm>
-          <a:off x="3905250" y="1920240"/>
-          <a:ext cx="554990" cy="426720"/>
+          <a:off x="3987800" y="1986280"/>
+          <a:ext cx="554990" cy="467360"/>
         </p:xfrm>
         <a:graphic>
           <a:graphicData uri="http://schemas.openxmlformats.org/drawingml/2006/table">
@@ -11845,7 +11843,7 @@
         </p:nvCxnSpPr>
         <p:spPr>
           <a:xfrm flipV="1">
-            <a:off x="3632200" y="2133600"/>
+            <a:off x="3714750" y="2199640"/>
             <a:ext cx="273050" cy="635"/>
           </a:xfrm>
           <a:prstGeom prst="straightConnector1">
@@ -11888,8 +11886,8 @@
           </p:nvPr>
         </p:nvGraphicFramePr>
         <p:xfrm>
-          <a:off x="2774950" y="3753485"/>
-          <a:ext cx="857250" cy="426720"/>
+          <a:off x="2857500" y="3933825"/>
+          <a:ext cx="857250" cy="467360"/>
         </p:xfrm>
         <a:graphic>
           <a:graphicData uri="http://schemas.openxmlformats.org/drawingml/2006/table">
@@ -12111,8 +12109,8 @@
           </p:nvPr>
         </p:nvGraphicFramePr>
         <p:xfrm>
-          <a:off x="3905250" y="3752850"/>
-          <a:ext cx="554990" cy="426720"/>
+          <a:off x="3987800" y="3933190"/>
+          <a:ext cx="554990" cy="467360"/>
         </p:xfrm>
         <a:graphic>
           <a:graphicData uri="http://schemas.openxmlformats.org/drawingml/2006/table">
@@ -12334,7 +12332,7 @@
         </p:nvCxnSpPr>
         <p:spPr>
           <a:xfrm flipV="1">
-            <a:off x="3632200" y="3966210"/>
+            <a:off x="3714750" y="4146550"/>
             <a:ext cx="273050" cy="635"/>
           </a:xfrm>
           <a:prstGeom prst="straightConnector1">
@@ -12377,13 +12375,13 @@
         </p:nvCxnSpPr>
         <p:spPr>
           <a:xfrm rot="16200000" flipH="1">
-            <a:off x="2127885" y="1487170"/>
-            <a:ext cx="351790" cy="942340"/>
+            <a:off x="2136140" y="1478915"/>
+            <a:ext cx="417830" cy="1024890"/>
           </a:xfrm>
           <a:prstGeom prst="bentConnector4">
             <a:avLst>
-              <a:gd name="adj1" fmla="val -13357"/>
-              <a:gd name="adj2" fmla="val 82210"/>
+              <a:gd name="adj1" fmla="val -28723"/>
+              <a:gd name="adj2" fmla="val 79616"/>
             </a:avLst>
           </a:prstGeom>
           <a:ln>
@@ -12420,13 +12418,13 @@
         </p:nvCxnSpPr>
         <p:spPr>
           <a:xfrm rot="16200000" flipH="1">
-            <a:off x="2127250" y="2405380"/>
-            <a:ext cx="352425" cy="942340"/>
+            <a:off x="2107248" y="2426018"/>
+            <a:ext cx="475615" cy="1024890"/>
           </a:xfrm>
           <a:prstGeom prst="bentConnector4">
             <a:avLst>
-              <a:gd name="adj1" fmla="val -21171"/>
-              <a:gd name="adj2" fmla="val 82177"/>
+              <a:gd name="adj1" fmla="val -19893"/>
+              <a:gd name="adj2" fmla="val 79585"/>
             </a:avLst>
           </a:prstGeom>
           <a:ln>
@@ -12463,13 +12461,13 @@
         </p:nvCxnSpPr>
         <p:spPr>
           <a:xfrm rot="16200000" flipH="1">
-            <a:off x="2129790" y="3321685"/>
-            <a:ext cx="347980" cy="942340"/>
+            <a:off x="2080895" y="3370580"/>
+            <a:ext cx="528320" cy="1024890"/>
           </a:xfrm>
           <a:prstGeom prst="bentConnector4">
             <a:avLst>
-              <a:gd name="adj1" fmla="val -22810"/>
-              <a:gd name="adj2" fmla="val 82210"/>
+              <a:gd name="adj1" fmla="val -17908"/>
+              <a:gd name="adj2" fmla="val 79616"/>
             </a:avLst>
           </a:prstGeom>
           <a:ln>
@@ -12511,8 +12509,8 @@
         </p:blipFill>
         <p:spPr>
           <a:xfrm>
-            <a:off x="4814570" y="1753870"/>
-            <a:ext cx="1342390" cy="759460"/>
+            <a:off x="4805045" y="3766820"/>
+            <a:ext cx="1372235" cy="759460"/>
           </a:xfrm>
           <a:prstGeom prst="rect">
             <a:avLst/>
@@ -12540,37 +12538,8 @@
         </p:blipFill>
         <p:spPr>
           <a:xfrm>
-            <a:off x="4814570" y="2678430"/>
-            <a:ext cx="1342390" cy="749300"/>
-          </a:xfrm>
-          <a:prstGeom prst="rect">
-            <a:avLst/>
-          </a:prstGeom>
-          <a:ln>
-            <a:solidFill>
-              <a:schemeClr val="tx1"/>
-            </a:solidFill>
-          </a:ln>
-        </p:spPr>
-      </p:pic>
-      <p:pic>
-        <p:nvPicPr>
-          <p:cNvPr id="163" name="图片 162"/>
-          <p:cNvPicPr>
-            <a:picLocks noChangeAspect="1"/>
-          </p:cNvPicPr>
-          <p:nvPr/>
-        </p:nvPicPr>
-        <p:blipFill>
-          <a:blip r:embed="rId12"/>
-          <a:stretch>
-            <a:fillRect/>
-          </a:stretch>
-        </p:blipFill>
-        <p:spPr>
-          <a:xfrm>
-            <a:off x="4814570" y="3596640"/>
-            <a:ext cx="1355725" cy="748665"/>
+            <a:off x="4813300" y="2801620"/>
+            <a:ext cx="1372235" cy="749300"/>
           </a:xfrm>
           <a:prstGeom prst="rect">
             <a:avLst/>
@@ -12587,14 +12556,14 @@
           <p:cNvPr id="165" name="直接箭头连接符 164"/>
           <p:cNvCxnSpPr>
             <a:stCxn id="145" idx="3"/>
-            <a:endCxn id="160" idx="1"/>
+            <a:endCxn id="118" idx="1"/>
           </p:cNvCxnSpPr>
           <p:nvPr/>
         </p:nvCxnSpPr>
         <p:spPr>
           <a:xfrm>
-            <a:off x="4460240" y="2133600"/>
-            <a:ext cx="354330" cy="0"/>
+            <a:off x="4542790" y="2199640"/>
+            <a:ext cx="278765" cy="0"/>
           </a:xfrm>
           <a:prstGeom prst="straightConnector1">
             <a:avLst/>
@@ -12636,8 +12605,8 @@
         </p:nvCxnSpPr>
         <p:spPr>
           <a:xfrm>
-            <a:off x="4460240" y="3052445"/>
-            <a:ext cx="354330" cy="635"/>
+            <a:off x="4542790" y="3175635"/>
+            <a:ext cx="270510" cy="635"/>
           </a:xfrm>
           <a:prstGeom prst="straightConnector1">
             <a:avLst/>
@@ -12673,14 +12642,14 @@
           <p:cNvPr id="168" name="直接箭头连接符 167"/>
           <p:cNvCxnSpPr>
             <a:stCxn id="150" idx="3"/>
-            <a:endCxn id="163" idx="1"/>
+            <a:endCxn id="160" idx="1"/>
           </p:cNvCxnSpPr>
           <p:nvPr/>
         </p:nvCxnSpPr>
         <p:spPr>
           <a:xfrm>
-            <a:off x="4460240" y="3966210"/>
-            <a:ext cx="354330" cy="5080"/>
+            <a:off x="4542790" y="4146550"/>
+            <a:ext cx="262255" cy="0"/>
           </a:xfrm>
           <a:prstGeom prst="straightConnector1">
             <a:avLst/>
@@ -12719,7 +12688,7 @@
         </p:nvSpPr>
         <p:spPr>
           <a:xfrm>
-            <a:off x="4764405" y="1335405"/>
+            <a:off x="4758055" y="1335405"/>
             <a:ext cx="1435100" cy="306705"/>
           </a:xfrm>
           <a:prstGeom prst="rect">
@@ -12755,9 +12724,9 @@
           <p:nvPr/>
         </p:nvCxnSpPr>
         <p:spPr>
-          <a:xfrm>
-            <a:off x="6170295" y="2133600"/>
-            <a:ext cx="354330" cy="0"/>
+          <a:xfrm flipV="1">
+            <a:off x="6163945" y="2196465"/>
+            <a:ext cx="526415" cy="3175"/>
           </a:xfrm>
           <a:prstGeom prst="straightConnector1">
             <a:avLst/>
@@ -12791,13 +12760,15 @@
       <p:cxnSp>
         <p:nvCxnSpPr>
           <p:cNvPr id="174" name="直接箭头连接符 173"/>
-          <p:cNvCxnSpPr/>
+          <p:cNvCxnSpPr>
+            <a:stCxn id="162" idx="3"/>
+          </p:cNvCxnSpPr>
           <p:nvPr/>
         </p:nvCxnSpPr>
         <p:spPr>
           <a:xfrm>
-            <a:off x="6170295" y="3052445"/>
-            <a:ext cx="354330" cy="635"/>
+            <a:off x="6185535" y="3176270"/>
+            <a:ext cx="534035" cy="1270"/>
           </a:xfrm>
           <a:prstGeom prst="straightConnector1">
             <a:avLst/>
@@ -12831,13 +12802,15 @@
       <p:cxnSp>
         <p:nvCxnSpPr>
           <p:cNvPr id="175" name="直接箭头连接符 174"/>
-          <p:cNvCxnSpPr/>
+          <p:cNvCxnSpPr>
+            <a:stCxn id="160" idx="3"/>
+          </p:cNvCxnSpPr>
           <p:nvPr/>
         </p:nvCxnSpPr>
         <p:spPr>
-          <a:xfrm>
-            <a:off x="6170295" y="3966210"/>
-            <a:ext cx="354330" cy="5080"/>
+          <a:xfrm flipV="1">
+            <a:off x="6177280" y="4145915"/>
+            <a:ext cx="589915" cy="635"/>
           </a:xfrm>
           <a:prstGeom prst="straightConnector1">
             <a:avLst/>
@@ -12875,9 +12848,9 @@
           <p:nvPr/>
         </p:nvCxnSpPr>
         <p:spPr>
-          <a:xfrm>
-            <a:off x="7868920" y="3053715"/>
-            <a:ext cx="990600" cy="0"/>
+          <a:xfrm flipV="1">
+            <a:off x="8016240" y="3176905"/>
+            <a:ext cx="843280" cy="635"/>
           </a:xfrm>
           <a:prstGeom prst="straightConnector1">
             <a:avLst/>
@@ -12916,8 +12889,8 @@
         </p:nvCxnSpPr>
         <p:spPr>
           <a:xfrm>
-            <a:off x="7883525" y="4092575"/>
-            <a:ext cx="975995" cy="0"/>
+            <a:off x="7996555" y="4152265"/>
+            <a:ext cx="862965" cy="6350"/>
           </a:xfrm>
           <a:prstGeom prst="straightConnector1">
             <a:avLst/>
@@ -12948,6 +12921,485 @@
           </a:fontRef>
         </p:style>
       </p:cxnSp>
+      <p:pic>
+        <p:nvPicPr>
+          <p:cNvPr id="118" name="图片 117"/>
+          <p:cNvPicPr>
+            <a:picLocks noChangeAspect="1"/>
+          </p:cNvPicPr>
+          <p:nvPr/>
+        </p:nvPicPr>
+        <p:blipFill>
+          <a:blip r:embed="rId12"/>
+          <a:stretch>
+            <a:fillRect/>
+          </a:stretch>
+        </p:blipFill>
+        <p:spPr>
+          <a:xfrm>
+            <a:off x="4821766" y="1825307"/>
+            <a:ext cx="1355725" cy="748665"/>
+          </a:xfrm>
+          <a:prstGeom prst="rect">
+            <a:avLst/>
+          </a:prstGeom>
+          <a:ln>
+            <a:solidFill>
+              <a:schemeClr val="tx1"/>
+            </a:solidFill>
+          </a:ln>
+        </p:spPr>
+      </p:pic>
+      <p:sp>
+        <p:nvSpPr>
+          <p:cNvPr id="2" name="文本框 1"/>
+          <p:cNvSpPr txBox="1"/>
+          <p:nvPr/>
+        </p:nvSpPr>
+        <p:spPr>
+          <a:xfrm>
+            <a:off x="6036945" y="3879533"/>
+            <a:ext cx="871220" cy="306705"/>
+          </a:xfrm>
+          <a:prstGeom prst="rect">
+            <a:avLst/>
+          </a:prstGeom>
+          <a:noFill/>
+        </p:spPr>
+        <p:txBody>
+          <a:bodyPr wrap="square" rtlCol="0">
+            <a:spAutoFit/>
+          </a:bodyPr>
+          <a:lstStyle>
+            <a:defPPr>
+              <a:defRPr lang="zh-CN"/>
+            </a:defPPr>
+            <a:lvl1pPr marL="0" algn="l" defTabSz="914400" rtl="0" eaLnBrk="1" latinLnBrk="0" hangingPunct="1">
+              <a:defRPr sz="1800" kern="1200">
+                <a:solidFill>
+                  <a:schemeClr val="tx1"/>
+                </a:solidFill>
+                <a:latin typeface="+mn-lt"/>
+                <a:ea typeface="+mn-ea"/>
+                <a:cs typeface="+mn-cs"/>
+              </a:defRPr>
+            </a:lvl1pPr>
+            <a:lvl2pPr marL="457200" algn="l" defTabSz="914400" rtl="0" eaLnBrk="1" latinLnBrk="0" hangingPunct="1">
+              <a:defRPr sz="1800" kern="1200">
+                <a:solidFill>
+                  <a:schemeClr val="tx1"/>
+                </a:solidFill>
+                <a:latin typeface="+mn-lt"/>
+                <a:ea typeface="+mn-ea"/>
+                <a:cs typeface="+mn-cs"/>
+              </a:defRPr>
+            </a:lvl2pPr>
+            <a:lvl3pPr marL="914400" algn="l" defTabSz="914400" rtl="0" eaLnBrk="1" latinLnBrk="0" hangingPunct="1">
+              <a:defRPr sz="1800" kern="1200">
+                <a:solidFill>
+                  <a:schemeClr val="tx1"/>
+                </a:solidFill>
+                <a:latin typeface="+mn-lt"/>
+                <a:ea typeface="+mn-ea"/>
+                <a:cs typeface="+mn-cs"/>
+              </a:defRPr>
+            </a:lvl3pPr>
+            <a:lvl4pPr marL="1371600" algn="l" defTabSz="914400" rtl="0" eaLnBrk="1" latinLnBrk="0" hangingPunct="1">
+              <a:defRPr sz="1800" kern="1200">
+                <a:solidFill>
+                  <a:schemeClr val="tx1"/>
+                </a:solidFill>
+                <a:latin typeface="+mn-lt"/>
+                <a:ea typeface="+mn-ea"/>
+                <a:cs typeface="+mn-cs"/>
+              </a:defRPr>
+            </a:lvl4pPr>
+            <a:lvl5pPr marL="1828800" algn="l" defTabSz="914400" rtl="0" eaLnBrk="1" latinLnBrk="0" hangingPunct="1">
+              <a:defRPr sz="1800" kern="1200">
+                <a:solidFill>
+                  <a:schemeClr val="tx1"/>
+                </a:solidFill>
+                <a:latin typeface="+mn-lt"/>
+                <a:ea typeface="+mn-ea"/>
+                <a:cs typeface="+mn-cs"/>
+              </a:defRPr>
+            </a:lvl5pPr>
+            <a:lvl6pPr marL="2286000" algn="l" defTabSz="914400" rtl="0" eaLnBrk="1" latinLnBrk="0" hangingPunct="1">
+              <a:defRPr sz="1800" kern="1200">
+                <a:solidFill>
+                  <a:schemeClr val="tx1"/>
+                </a:solidFill>
+                <a:latin typeface="+mn-lt"/>
+                <a:ea typeface="+mn-ea"/>
+                <a:cs typeface="+mn-cs"/>
+              </a:defRPr>
+            </a:lvl6pPr>
+            <a:lvl7pPr marL="2743200" algn="l" defTabSz="914400" rtl="0" eaLnBrk="1" latinLnBrk="0" hangingPunct="1">
+              <a:defRPr sz="1800" kern="1200">
+                <a:solidFill>
+                  <a:schemeClr val="tx1"/>
+                </a:solidFill>
+                <a:latin typeface="+mn-lt"/>
+                <a:ea typeface="+mn-ea"/>
+                <a:cs typeface="+mn-cs"/>
+              </a:defRPr>
+            </a:lvl7pPr>
+            <a:lvl8pPr marL="3200400" algn="l" defTabSz="914400" rtl="0" eaLnBrk="1" latinLnBrk="0" hangingPunct="1">
+              <a:defRPr sz="1800" kern="1200">
+                <a:solidFill>
+                  <a:schemeClr val="tx1"/>
+                </a:solidFill>
+                <a:latin typeface="+mn-lt"/>
+                <a:ea typeface="+mn-ea"/>
+                <a:cs typeface="+mn-cs"/>
+              </a:defRPr>
+            </a:lvl8pPr>
+            <a:lvl9pPr marL="3657600" algn="l" defTabSz="914400" rtl="0" eaLnBrk="1" latinLnBrk="0" hangingPunct="1">
+              <a:defRPr sz="1800" kern="1200">
+                <a:solidFill>
+                  <a:schemeClr val="tx1"/>
+                </a:solidFill>
+                <a:latin typeface="+mn-lt"/>
+                <a:ea typeface="+mn-ea"/>
+                <a:cs typeface="+mn-cs"/>
+              </a:defRPr>
+            </a:lvl9pPr>
+          </a:lstStyle>
+          <a:p>
+            <a:pPr algn="ctr"/>
+            <a:r>
+              <a:rPr lang="en-US" altLang="zh-CN" sz="1400" dirty="0">
+                <a:solidFill>
+                  <a:srgbClr val="7030A0"/>
+                </a:solidFill>
+                <a:latin typeface="Times New Roman" panose="02020603050405020304" charset="0"/>
+                <a:ea typeface="楷体" panose="02010609060101010101" charset="-122"/>
+                <a:cs typeface="Times New Roman" panose="02020603050405020304" charset="0"/>
+              </a:rPr>
+              <a:t>2</a:t>
+            </a:r>
+            <a:r>
+              <a:rPr lang="zh-CN" altLang="en-US" sz="1400" dirty="0">
+                <a:solidFill>
+                  <a:srgbClr val="7030A0"/>
+                </a:solidFill>
+                <a:latin typeface="Times New Roman" panose="02020603050405020304" charset="0"/>
+                <a:ea typeface="楷体" panose="02010609060101010101" charset="-122"/>
+                <a:cs typeface="Times New Roman" panose="02020603050405020304" charset="0"/>
+              </a:rPr>
+              <a:t>类</a:t>
+            </a:r>
+            <a:endParaRPr lang="zh-CN" altLang="en-US" sz="1400" dirty="0">
+              <a:solidFill>
+                <a:srgbClr val="7030A0"/>
+              </a:solidFill>
+              <a:latin typeface="Times New Roman" panose="02020603050405020304" charset="0"/>
+              <a:ea typeface="楷体" panose="02010609060101010101" charset="-122"/>
+              <a:cs typeface="Times New Roman" panose="02020603050405020304" charset="0"/>
+            </a:endParaRPr>
+          </a:p>
+        </p:txBody>
+      </p:sp>
+      <p:sp>
+        <p:nvSpPr>
+          <p:cNvPr id="3" name="文本框 2"/>
+          <p:cNvSpPr txBox="1"/>
+          <p:nvPr/>
+        </p:nvSpPr>
+        <p:spPr>
+          <a:xfrm>
+            <a:off x="5991860" y="2920683"/>
+            <a:ext cx="871220" cy="306705"/>
+          </a:xfrm>
+          <a:prstGeom prst="rect">
+            <a:avLst/>
+          </a:prstGeom>
+          <a:noFill/>
+        </p:spPr>
+        <p:txBody>
+          <a:bodyPr wrap="square" rtlCol="0">
+            <a:spAutoFit/>
+          </a:bodyPr>
+          <a:lstStyle>
+            <a:defPPr>
+              <a:defRPr lang="zh-CN"/>
+            </a:defPPr>
+            <a:lvl1pPr marL="0" algn="l" defTabSz="914400" rtl="0" eaLnBrk="1" latinLnBrk="0" hangingPunct="1">
+              <a:defRPr sz="1800" kern="1200">
+                <a:solidFill>
+                  <a:schemeClr val="tx1"/>
+                </a:solidFill>
+                <a:latin typeface="+mn-lt"/>
+                <a:ea typeface="+mn-ea"/>
+                <a:cs typeface="+mn-cs"/>
+              </a:defRPr>
+            </a:lvl1pPr>
+            <a:lvl2pPr marL="457200" algn="l" defTabSz="914400" rtl="0" eaLnBrk="1" latinLnBrk="0" hangingPunct="1">
+              <a:defRPr sz="1800" kern="1200">
+                <a:solidFill>
+                  <a:schemeClr val="tx1"/>
+                </a:solidFill>
+                <a:latin typeface="+mn-lt"/>
+                <a:ea typeface="+mn-ea"/>
+                <a:cs typeface="+mn-cs"/>
+              </a:defRPr>
+            </a:lvl2pPr>
+            <a:lvl3pPr marL="914400" algn="l" defTabSz="914400" rtl="0" eaLnBrk="1" latinLnBrk="0" hangingPunct="1">
+              <a:defRPr sz="1800" kern="1200">
+                <a:solidFill>
+                  <a:schemeClr val="tx1"/>
+                </a:solidFill>
+                <a:latin typeface="+mn-lt"/>
+                <a:ea typeface="+mn-ea"/>
+                <a:cs typeface="+mn-cs"/>
+              </a:defRPr>
+            </a:lvl3pPr>
+            <a:lvl4pPr marL="1371600" algn="l" defTabSz="914400" rtl="0" eaLnBrk="1" latinLnBrk="0" hangingPunct="1">
+              <a:defRPr sz="1800" kern="1200">
+                <a:solidFill>
+                  <a:schemeClr val="tx1"/>
+                </a:solidFill>
+                <a:latin typeface="+mn-lt"/>
+                <a:ea typeface="+mn-ea"/>
+                <a:cs typeface="+mn-cs"/>
+              </a:defRPr>
+            </a:lvl4pPr>
+            <a:lvl5pPr marL="1828800" algn="l" defTabSz="914400" rtl="0" eaLnBrk="1" latinLnBrk="0" hangingPunct="1">
+              <a:defRPr sz="1800" kern="1200">
+                <a:solidFill>
+                  <a:schemeClr val="tx1"/>
+                </a:solidFill>
+                <a:latin typeface="+mn-lt"/>
+                <a:ea typeface="+mn-ea"/>
+                <a:cs typeface="+mn-cs"/>
+              </a:defRPr>
+            </a:lvl5pPr>
+            <a:lvl6pPr marL="2286000" algn="l" defTabSz="914400" rtl="0" eaLnBrk="1" latinLnBrk="0" hangingPunct="1">
+              <a:defRPr sz="1800" kern="1200">
+                <a:solidFill>
+                  <a:schemeClr val="tx1"/>
+                </a:solidFill>
+                <a:latin typeface="+mn-lt"/>
+                <a:ea typeface="+mn-ea"/>
+                <a:cs typeface="+mn-cs"/>
+              </a:defRPr>
+            </a:lvl6pPr>
+            <a:lvl7pPr marL="2743200" algn="l" defTabSz="914400" rtl="0" eaLnBrk="1" latinLnBrk="0" hangingPunct="1">
+              <a:defRPr sz="1800" kern="1200">
+                <a:solidFill>
+                  <a:schemeClr val="tx1"/>
+                </a:solidFill>
+                <a:latin typeface="+mn-lt"/>
+                <a:ea typeface="+mn-ea"/>
+                <a:cs typeface="+mn-cs"/>
+              </a:defRPr>
+            </a:lvl7pPr>
+            <a:lvl8pPr marL="3200400" algn="l" defTabSz="914400" rtl="0" eaLnBrk="1" latinLnBrk="0" hangingPunct="1">
+              <a:defRPr sz="1800" kern="1200">
+                <a:solidFill>
+                  <a:schemeClr val="tx1"/>
+                </a:solidFill>
+                <a:latin typeface="+mn-lt"/>
+                <a:ea typeface="+mn-ea"/>
+                <a:cs typeface="+mn-cs"/>
+              </a:defRPr>
+            </a:lvl8pPr>
+            <a:lvl9pPr marL="3657600" algn="l" defTabSz="914400" rtl="0" eaLnBrk="1" latinLnBrk="0" hangingPunct="1">
+              <a:defRPr sz="1800" kern="1200">
+                <a:solidFill>
+                  <a:schemeClr val="tx1"/>
+                </a:solidFill>
+                <a:latin typeface="+mn-lt"/>
+                <a:ea typeface="+mn-ea"/>
+                <a:cs typeface="+mn-cs"/>
+              </a:defRPr>
+            </a:lvl9pPr>
+          </a:lstStyle>
+          <a:p>
+            <a:pPr algn="ctr"/>
+            <a:r>
+              <a:rPr lang="en-US" altLang="zh-CN" sz="1400" dirty="0">
+                <a:solidFill>
+                  <a:srgbClr val="7030A0"/>
+                </a:solidFill>
+                <a:latin typeface="Times New Roman" panose="02020603050405020304" charset="0"/>
+                <a:ea typeface="楷体" panose="02010609060101010101" charset="-122"/>
+                <a:cs typeface="Times New Roman" panose="02020603050405020304" charset="0"/>
+              </a:rPr>
+              <a:t>4</a:t>
+            </a:r>
+            <a:r>
+              <a:rPr lang="zh-CN" altLang="en-US" sz="1400" dirty="0">
+                <a:solidFill>
+                  <a:srgbClr val="7030A0"/>
+                </a:solidFill>
+                <a:latin typeface="Times New Roman" panose="02020603050405020304" charset="0"/>
+                <a:ea typeface="楷体" panose="02010609060101010101" charset="-122"/>
+                <a:cs typeface="Times New Roman" panose="02020603050405020304" charset="0"/>
+              </a:rPr>
+              <a:t>类</a:t>
+            </a:r>
+            <a:endParaRPr lang="zh-CN" altLang="en-US" sz="1400" dirty="0">
+              <a:solidFill>
+                <a:srgbClr val="7030A0"/>
+              </a:solidFill>
+              <a:latin typeface="Times New Roman" panose="02020603050405020304" charset="0"/>
+              <a:ea typeface="楷体" panose="02010609060101010101" charset="-122"/>
+              <a:cs typeface="Times New Roman" panose="02020603050405020304" charset="0"/>
+            </a:endParaRPr>
+          </a:p>
+        </p:txBody>
+      </p:sp>
+      <p:sp>
+        <p:nvSpPr>
+          <p:cNvPr id="4" name="文本框 3"/>
+          <p:cNvSpPr txBox="1"/>
+          <p:nvPr/>
+        </p:nvSpPr>
+        <p:spPr>
+          <a:xfrm>
+            <a:off x="5989955" y="1951038"/>
+            <a:ext cx="871220" cy="306705"/>
+          </a:xfrm>
+          <a:prstGeom prst="rect">
+            <a:avLst/>
+          </a:prstGeom>
+          <a:noFill/>
+        </p:spPr>
+        <p:txBody>
+          <a:bodyPr wrap="square" rtlCol="0">
+            <a:spAutoFit/>
+          </a:bodyPr>
+          <a:lstStyle>
+            <a:defPPr>
+              <a:defRPr lang="zh-CN"/>
+            </a:defPPr>
+            <a:lvl1pPr marL="0" algn="l" defTabSz="914400" rtl="0" eaLnBrk="1" latinLnBrk="0" hangingPunct="1">
+              <a:defRPr sz="1800" kern="1200">
+                <a:solidFill>
+                  <a:schemeClr val="tx1"/>
+                </a:solidFill>
+                <a:latin typeface="+mn-lt"/>
+                <a:ea typeface="+mn-ea"/>
+                <a:cs typeface="+mn-cs"/>
+              </a:defRPr>
+            </a:lvl1pPr>
+            <a:lvl2pPr marL="457200" algn="l" defTabSz="914400" rtl="0" eaLnBrk="1" latinLnBrk="0" hangingPunct="1">
+              <a:defRPr sz="1800" kern="1200">
+                <a:solidFill>
+                  <a:schemeClr val="tx1"/>
+                </a:solidFill>
+                <a:latin typeface="+mn-lt"/>
+                <a:ea typeface="+mn-ea"/>
+                <a:cs typeface="+mn-cs"/>
+              </a:defRPr>
+            </a:lvl2pPr>
+            <a:lvl3pPr marL="914400" algn="l" defTabSz="914400" rtl="0" eaLnBrk="1" latinLnBrk="0" hangingPunct="1">
+              <a:defRPr sz="1800" kern="1200">
+                <a:solidFill>
+                  <a:schemeClr val="tx1"/>
+                </a:solidFill>
+                <a:latin typeface="+mn-lt"/>
+                <a:ea typeface="+mn-ea"/>
+                <a:cs typeface="+mn-cs"/>
+              </a:defRPr>
+            </a:lvl3pPr>
+            <a:lvl4pPr marL="1371600" algn="l" defTabSz="914400" rtl="0" eaLnBrk="1" latinLnBrk="0" hangingPunct="1">
+              <a:defRPr sz="1800" kern="1200">
+                <a:solidFill>
+                  <a:schemeClr val="tx1"/>
+                </a:solidFill>
+                <a:latin typeface="+mn-lt"/>
+                <a:ea typeface="+mn-ea"/>
+                <a:cs typeface="+mn-cs"/>
+              </a:defRPr>
+            </a:lvl4pPr>
+            <a:lvl5pPr marL="1828800" algn="l" defTabSz="914400" rtl="0" eaLnBrk="1" latinLnBrk="0" hangingPunct="1">
+              <a:defRPr sz="1800" kern="1200">
+                <a:solidFill>
+                  <a:schemeClr val="tx1"/>
+                </a:solidFill>
+                <a:latin typeface="+mn-lt"/>
+                <a:ea typeface="+mn-ea"/>
+                <a:cs typeface="+mn-cs"/>
+              </a:defRPr>
+            </a:lvl5pPr>
+            <a:lvl6pPr marL="2286000" algn="l" defTabSz="914400" rtl="0" eaLnBrk="1" latinLnBrk="0" hangingPunct="1">
+              <a:defRPr sz="1800" kern="1200">
+                <a:solidFill>
+                  <a:schemeClr val="tx1"/>
+                </a:solidFill>
+                <a:latin typeface="+mn-lt"/>
+                <a:ea typeface="+mn-ea"/>
+                <a:cs typeface="+mn-cs"/>
+              </a:defRPr>
+            </a:lvl6pPr>
+            <a:lvl7pPr marL="2743200" algn="l" defTabSz="914400" rtl="0" eaLnBrk="1" latinLnBrk="0" hangingPunct="1">
+              <a:defRPr sz="1800" kern="1200">
+                <a:solidFill>
+                  <a:schemeClr val="tx1"/>
+                </a:solidFill>
+                <a:latin typeface="+mn-lt"/>
+                <a:ea typeface="+mn-ea"/>
+                <a:cs typeface="+mn-cs"/>
+              </a:defRPr>
+            </a:lvl7pPr>
+            <a:lvl8pPr marL="3200400" algn="l" defTabSz="914400" rtl="0" eaLnBrk="1" latinLnBrk="0" hangingPunct="1">
+              <a:defRPr sz="1800" kern="1200">
+                <a:solidFill>
+                  <a:schemeClr val="tx1"/>
+                </a:solidFill>
+                <a:latin typeface="+mn-lt"/>
+                <a:ea typeface="+mn-ea"/>
+                <a:cs typeface="+mn-cs"/>
+              </a:defRPr>
+            </a:lvl8pPr>
+            <a:lvl9pPr marL="3657600" algn="l" defTabSz="914400" rtl="0" eaLnBrk="1" latinLnBrk="0" hangingPunct="1">
+              <a:defRPr sz="1800" kern="1200">
+                <a:solidFill>
+                  <a:schemeClr val="tx1"/>
+                </a:solidFill>
+                <a:latin typeface="+mn-lt"/>
+                <a:ea typeface="+mn-ea"/>
+                <a:cs typeface="+mn-cs"/>
+              </a:defRPr>
+            </a:lvl9pPr>
+          </a:lstStyle>
+          <a:p>
+            <a:pPr algn="ctr"/>
+            <a:r>
+              <a:rPr lang="en-US" altLang="zh-CN" sz="1400" dirty="0">
+                <a:solidFill>
+                  <a:srgbClr val="7030A0"/>
+                </a:solidFill>
+                <a:latin typeface="Times New Roman" panose="02020603050405020304" charset="0"/>
+                <a:ea typeface="楷体" panose="02010609060101010101" charset="-122"/>
+                <a:cs typeface="Times New Roman" panose="02020603050405020304" charset="0"/>
+              </a:rPr>
+              <a:t>8</a:t>
+            </a:r>
+            <a:r>
+              <a:rPr lang="zh-CN" altLang="en-US" sz="1400" dirty="0">
+                <a:solidFill>
+                  <a:srgbClr val="7030A0"/>
+                </a:solidFill>
+                <a:latin typeface="Times New Roman" panose="02020603050405020304" charset="0"/>
+                <a:ea typeface="楷体" panose="02010609060101010101" charset="-122"/>
+                <a:cs typeface="Times New Roman" panose="02020603050405020304" charset="0"/>
+              </a:rPr>
+              <a:t>类</a:t>
+            </a:r>
+            <a:endParaRPr lang="zh-CN" altLang="en-US" sz="1400" dirty="0">
+              <a:solidFill>
+                <a:srgbClr val="7030A0"/>
+              </a:solidFill>
+              <a:latin typeface="Times New Roman" panose="02020603050405020304" charset="0"/>
+              <a:ea typeface="楷体" panose="02010609060101010101" charset="-122"/>
+              <a:cs typeface="Times New Roman" panose="02020603050405020304" charset="0"/>
+            </a:endParaRPr>
+          </a:p>
+        </p:txBody>
+      </p:sp>
     </p:spTree>
   </p:cSld>
   <p:clrMapOvr>
